--- a/trunk/FYP_Defense_Presentation/FYP-2_presentation.pptx
+++ b/trunk/FYP_Defense_Presentation/FYP-2_presentation.pptx
@@ -5,38 +5,40 @@
     <p:sldMasterId id="2147483660" r:id="rId1"/>
   </p:sldMasterIdLst>
   <p:notesMasterIdLst>
-    <p:notesMasterId r:id="rId28"/>
+    <p:notesMasterId r:id="rId30"/>
   </p:notesMasterIdLst>
   <p:handoutMasterIdLst>
-    <p:handoutMasterId r:id="rId29"/>
+    <p:handoutMasterId r:id="rId31"/>
   </p:handoutMasterIdLst>
   <p:sldIdLst>
     <p:sldId id="256" r:id="rId2"/>
     <p:sldId id="257" r:id="rId3"/>
     <p:sldId id="258" r:id="rId4"/>
     <p:sldId id="259" r:id="rId5"/>
-    <p:sldId id="263" r:id="rId6"/>
-    <p:sldId id="261" r:id="rId7"/>
-    <p:sldId id="262" r:id="rId8"/>
-    <p:sldId id="260" r:id="rId9"/>
-    <p:sldId id="264" r:id="rId10"/>
-    <p:sldId id="265" r:id="rId11"/>
-    <p:sldId id="276" r:id="rId12"/>
-    <p:sldId id="266" r:id="rId13"/>
-    <p:sldId id="279" r:id="rId14"/>
-    <p:sldId id="270" r:id="rId15"/>
-    <p:sldId id="268" r:id="rId16"/>
-    <p:sldId id="267" r:id="rId17"/>
-    <p:sldId id="271" r:id="rId18"/>
-    <p:sldId id="278" r:id="rId19"/>
-    <p:sldId id="272" r:id="rId20"/>
-    <p:sldId id="273" r:id="rId21"/>
-    <p:sldId id="281" r:id="rId22"/>
-    <p:sldId id="283" r:id="rId23"/>
-    <p:sldId id="282" r:id="rId24"/>
-    <p:sldId id="274" r:id="rId25"/>
-    <p:sldId id="277" r:id="rId26"/>
-    <p:sldId id="280" r:id="rId27"/>
+    <p:sldId id="285" r:id="rId6"/>
+    <p:sldId id="263" r:id="rId7"/>
+    <p:sldId id="261" r:id="rId8"/>
+    <p:sldId id="262" r:id="rId9"/>
+    <p:sldId id="260" r:id="rId10"/>
+    <p:sldId id="264" r:id="rId11"/>
+    <p:sldId id="265" r:id="rId12"/>
+    <p:sldId id="276" r:id="rId13"/>
+    <p:sldId id="266" r:id="rId14"/>
+    <p:sldId id="279" r:id="rId15"/>
+    <p:sldId id="270" r:id="rId16"/>
+    <p:sldId id="268" r:id="rId17"/>
+    <p:sldId id="267" r:id="rId18"/>
+    <p:sldId id="271" r:id="rId19"/>
+    <p:sldId id="278" r:id="rId20"/>
+    <p:sldId id="272" r:id="rId21"/>
+    <p:sldId id="273" r:id="rId22"/>
+    <p:sldId id="281" r:id="rId23"/>
+    <p:sldId id="283" r:id="rId24"/>
+    <p:sldId id="282" r:id="rId25"/>
+    <p:sldId id="274" r:id="rId26"/>
+    <p:sldId id="284" r:id="rId27"/>
+    <p:sldId id="277" r:id="rId28"/>
+    <p:sldId id="280" r:id="rId29"/>
   </p:sldIdLst>
   <p:sldSz cx="12192000" cy="6858000"/>
   <p:notesSz cx="6858000" cy="9144000"/>
@@ -684,11 +686,11 @@
           <c:showPercent val="0"/>
           <c:showBubbleSize val="0"/>
         </c:dLbls>
-        <c:axId val="435628016"/>
-        <c:axId val="435628408"/>
+        <c:axId val="76805744"/>
+        <c:axId val="209631520"/>
       </c:scatterChart>
       <c:valAx>
-        <c:axId val="435628016"/>
+        <c:axId val="76805744"/>
         <c:scaling>
           <c:orientation val="minMax"/>
           <c:min val="1024"/>
@@ -802,12 +804,12 @@
             <a:endParaRPr lang="en-US"/>
           </a:p>
         </c:txPr>
-        <c:crossAx val="435628408"/>
+        <c:crossAx val="209631520"/>
         <c:crosses val="autoZero"/>
         <c:crossBetween val="midCat"/>
       </c:valAx>
       <c:valAx>
-        <c:axId val="435628408"/>
+        <c:axId val="209631520"/>
         <c:scaling>
           <c:orientation val="minMax"/>
         </c:scaling>
@@ -925,7 +927,7 @@
             <a:endParaRPr lang="en-US"/>
           </a:p>
         </c:txPr>
-        <c:crossAx val="435628016"/>
+        <c:crossAx val="76805744"/>
         <c:crosses val="autoZero"/>
         <c:crossBetween val="midCat"/>
       </c:valAx>
@@ -1851,11 +1853,11 @@
           <c:showPercent val="0"/>
           <c:showBubbleSize val="0"/>
         </c:dLbls>
-        <c:axId val="322022312"/>
-        <c:axId val="322021920"/>
+        <c:axId val="210111112"/>
+        <c:axId val="210319872"/>
       </c:scatterChart>
       <c:valAx>
-        <c:axId val="322022312"/>
+        <c:axId val="210111112"/>
         <c:scaling>
           <c:orientation val="minMax"/>
           <c:max val="17001024.000000004"/>
@@ -1970,12 +1972,12 @@
             <a:endParaRPr lang="en-US"/>
           </a:p>
         </c:txPr>
-        <c:crossAx val="322021920"/>
+        <c:crossAx val="210319872"/>
         <c:crosses val="autoZero"/>
         <c:crossBetween val="midCat"/>
       </c:valAx>
       <c:valAx>
-        <c:axId val="322021920"/>
+        <c:axId val="210319872"/>
         <c:scaling>
           <c:orientation val="minMax"/>
           <c:max val="5800"/>
@@ -2095,7 +2097,7 @@
             <a:endParaRPr lang="en-US"/>
           </a:p>
         </c:txPr>
-        <c:crossAx val="322022312"/>
+        <c:crossAx val="210111112"/>
         <c:crosses val="autoZero"/>
         <c:crossBetween val="midCat"/>
       </c:valAx>
@@ -2749,11 +2751,11 @@
           <c:showPercent val="0"/>
           <c:showBubbleSize val="0"/>
         </c:dLbls>
-        <c:axId val="551923856"/>
-        <c:axId val="660830200"/>
+        <c:axId val="210382128"/>
+        <c:axId val="210865576"/>
       </c:scatterChart>
       <c:valAx>
-        <c:axId val="551923856"/>
+        <c:axId val="210382128"/>
         <c:scaling>
           <c:orientation val="minMax"/>
         </c:scaling>
@@ -2866,12 +2868,12 @@
             <a:endParaRPr lang="en-US"/>
           </a:p>
         </c:txPr>
-        <c:crossAx val="660830200"/>
+        <c:crossAx val="210865576"/>
         <c:crosses val="autoZero"/>
         <c:crossBetween val="midCat"/>
       </c:valAx>
       <c:valAx>
-        <c:axId val="660830200"/>
+        <c:axId val="210865576"/>
         <c:scaling>
           <c:orientation val="minMax"/>
         </c:scaling>
@@ -2989,7 +2991,7 @@
             <a:endParaRPr lang="en-US"/>
           </a:p>
         </c:txPr>
-        <c:crossAx val="551923856"/>
+        <c:crossAx val="210382128"/>
         <c:crosses val="autoZero"/>
         <c:crossBetween val="midCat"/>
       </c:valAx>
@@ -3522,8 +3524,8 @@
           <c:showPercent val="0"/>
           <c:showBubbleSize val="0"/>
         </c:dLbls>
-        <c:axId val="432712512"/>
-        <c:axId val="432714080"/>
+        <c:axId val="209730008"/>
+        <c:axId val="210854072"/>
         <c:extLst>
           <c:ext xmlns:c15="http://schemas.microsoft.com/office/drawing/2012/chart" uri="{02D57815-91ED-43cb-92C2-25804820EDAC}">
             <c15:filteredScatterSeries>
@@ -3761,7 +3763,7 @@
         </c:extLst>
       </c:scatterChart>
       <c:valAx>
-        <c:axId val="432712512"/>
+        <c:axId val="209730008"/>
         <c:scaling>
           <c:orientation val="minMax"/>
         </c:scaling>
@@ -3874,12 +3876,12 @@
             <a:endParaRPr lang="en-US"/>
           </a:p>
         </c:txPr>
-        <c:crossAx val="432714080"/>
+        <c:crossAx val="210854072"/>
         <c:crosses val="autoZero"/>
         <c:crossBetween val="midCat"/>
       </c:valAx>
       <c:valAx>
-        <c:axId val="432714080"/>
+        <c:axId val="210854072"/>
         <c:scaling>
           <c:orientation val="minMax"/>
         </c:scaling>
@@ -3997,7 +3999,7 @@
             <a:endParaRPr lang="en-US"/>
           </a:p>
         </c:txPr>
-        <c:crossAx val="432712512"/>
+        <c:crossAx val="209730008"/>
         <c:crosses val="autoZero"/>
         <c:crossBetween val="midCat"/>
       </c:valAx>
@@ -4919,11 +4921,11 @@
           <c:showPercent val="0"/>
           <c:showBubbleSize val="0"/>
         </c:dLbls>
-        <c:axId val="440798256"/>
-        <c:axId val="438145768"/>
+        <c:axId val="166084736"/>
+        <c:axId val="166085128"/>
       </c:scatterChart>
       <c:valAx>
-        <c:axId val="440798256"/>
+        <c:axId val="166084736"/>
         <c:scaling>
           <c:logBase val="2"/>
           <c:orientation val="minMax"/>
@@ -5039,12 +5041,12 @@
             <a:endParaRPr lang="en-US"/>
           </a:p>
         </c:txPr>
-        <c:crossAx val="438145768"/>
+        <c:crossAx val="166085128"/>
         <c:crosses val="autoZero"/>
         <c:crossBetween val="midCat"/>
       </c:valAx>
       <c:valAx>
-        <c:axId val="438145768"/>
+        <c:axId val="166085128"/>
         <c:scaling>
           <c:orientation val="minMax"/>
           <c:max val="5800"/>
@@ -5164,7 +5166,7 @@
             <a:endParaRPr lang="en-US"/>
           </a:p>
         </c:txPr>
-        <c:crossAx val="440798256"/>
+        <c:crossAx val="166084736"/>
         <c:crosses val="autoZero"/>
         <c:crossBetween val="midCat"/>
       </c:valAx>
@@ -9427,7 +9429,7 @@
           <a:p>
             <a:r>
               <a:rPr lang="en-US" dirty="0" smtClean="0"/>
-              <a:t>2^14 </a:t>
+              <a:t>2^18 </a:t>
             </a:r>
             <a:r>
               <a:rPr lang="en-US" dirty="0" err="1" smtClean="0"/>
@@ -9445,10 +9447,10 @@
               <a:rPr lang="en-US" baseline="0" dirty="0" err="1" smtClean="0"/>
               <a:t>gpu</a:t>
             </a:r>
-            <a:endParaRPr lang="en-US" baseline="0" smtClean="0"/>
-          </a:p>
-          <a:p>
-            <a:endParaRPr lang="en-US"/>
+            <a:endParaRPr lang="en-US" baseline="0" dirty="0" smtClean="0"/>
+          </a:p>
+          <a:p>
+            <a:endParaRPr lang="en-US" dirty="0"/>
           </a:p>
         </p:txBody>
       </p:sp>
@@ -10030,13 +10032,13 @@
   <p:clrMapOvr>
     <a:masterClrMapping/>
   </p:clrMapOvr>
-  <mc:AlternateContent xmlns:mc="http://schemas.openxmlformats.org/markup-compatibility/2006">
-    <mc:Choice xmlns:p14="http://schemas.microsoft.com/office/powerpoint/2010/main" Requires="p14">
+  <mc:AlternateContent xmlns:mc="http://schemas.openxmlformats.org/markup-compatibility/2006" xmlns:p14="http://schemas.microsoft.com/office/powerpoint/2010/main">
+    <mc:Choice Requires="p14">
       <p:transition p14:dur="250">
         <p:fade/>
       </p:transition>
     </mc:Choice>
-    <mc:Fallback>
+    <mc:Fallback xmlns="">
       <p:transition>
         <p:fade/>
       </p:transition>
@@ -10333,13 +10335,13 @@
   <p:clrMapOvr>
     <a:masterClrMapping/>
   </p:clrMapOvr>
-  <mc:AlternateContent xmlns:mc="http://schemas.openxmlformats.org/markup-compatibility/2006">
-    <mc:Choice xmlns:p14="http://schemas.microsoft.com/office/powerpoint/2010/main" Requires="p14">
+  <mc:AlternateContent xmlns:mc="http://schemas.openxmlformats.org/markup-compatibility/2006" xmlns:p14="http://schemas.microsoft.com/office/powerpoint/2010/main">
+    <mc:Choice Requires="p14">
       <p:transition p14:dur="250">
         <p:fade/>
       </p:transition>
     </mc:Choice>
-    <mc:Fallback>
+    <mc:Fallback xmlns="">
       <p:transition>
         <p:fade/>
       </p:transition>
@@ -10593,13 +10595,13 @@
   <p:clrMapOvr>
     <a:masterClrMapping/>
   </p:clrMapOvr>
-  <mc:AlternateContent xmlns:mc="http://schemas.openxmlformats.org/markup-compatibility/2006">
-    <mc:Choice xmlns:p14="http://schemas.microsoft.com/office/powerpoint/2010/main" Requires="p14">
+  <mc:AlternateContent xmlns:mc="http://schemas.openxmlformats.org/markup-compatibility/2006" xmlns:p14="http://schemas.microsoft.com/office/powerpoint/2010/main">
+    <mc:Choice Requires="p14">
       <p:transition p14:dur="250">
         <p:fade/>
       </p:transition>
     </mc:Choice>
-    <mc:Fallback>
+    <mc:Fallback xmlns="">
       <p:transition>
         <p:fade/>
       </p:transition>
@@ -11145,13 +11147,13 @@
   <p:clrMapOvr>
     <a:masterClrMapping/>
   </p:clrMapOvr>
-  <mc:AlternateContent xmlns:mc="http://schemas.openxmlformats.org/markup-compatibility/2006">
-    <mc:Choice xmlns:p14="http://schemas.microsoft.com/office/powerpoint/2010/main" Requires="p14">
+  <mc:AlternateContent xmlns:mc="http://schemas.openxmlformats.org/markup-compatibility/2006" xmlns:p14="http://schemas.microsoft.com/office/powerpoint/2010/main">
+    <mc:Choice Requires="p14">
       <p:transition p14:dur="250">
         <p:fade/>
       </p:transition>
     </mc:Choice>
-    <mc:Fallback>
+    <mc:Fallback xmlns="">
       <p:transition>
         <p:fade/>
       </p:transition>
@@ -11405,13 +11407,13 @@
   <p:clrMapOvr>
     <a:masterClrMapping/>
   </p:clrMapOvr>
-  <mc:AlternateContent xmlns:mc="http://schemas.openxmlformats.org/markup-compatibility/2006">
-    <mc:Choice xmlns:p14="http://schemas.microsoft.com/office/powerpoint/2010/main" Requires="p14">
+  <mc:AlternateContent xmlns:mc="http://schemas.openxmlformats.org/markup-compatibility/2006" xmlns:p14="http://schemas.microsoft.com/office/powerpoint/2010/main">
+    <mc:Choice Requires="p14">
       <p:transition p14:dur="250">
         <p:fade/>
       </p:transition>
     </mc:Choice>
-    <mc:Fallback>
+    <mc:Fallback xmlns="">
       <p:transition>
         <p:fade/>
       </p:transition>
@@ -11949,13 +11951,13 @@
   <p:clrMapOvr>
     <a:masterClrMapping/>
   </p:clrMapOvr>
-  <mc:AlternateContent xmlns:mc="http://schemas.openxmlformats.org/markup-compatibility/2006">
-    <mc:Choice xmlns:p14="http://schemas.microsoft.com/office/powerpoint/2010/main" Requires="p14">
+  <mc:AlternateContent xmlns:mc="http://schemas.openxmlformats.org/markup-compatibility/2006" xmlns:p14="http://schemas.microsoft.com/office/powerpoint/2010/main">
+    <mc:Choice Requires="p14">
       <p:transition p14:dur="250">
         <p:fade/>
       </p:transition>
     </mc:Choice>
-    <mc:Fallback>
+    <mc:Fallback xmlns="">
       <p:transition>
         <p:fade/>
       </p:transition>
@@ -12258,13 +12260,13 @@
   <p:clrMapOvr>
     <a:masterClrMapping/>
   </p:clrMapOvr>
-  <mc:AlternateContent xmlns:mc="http://schemas.openxmlformats.org/markup-compatibility/2006">
-    <mc:Choice xmlns:p14="http://schemas.microsoft.com/office/powerpoint/2010/main" Requires="p14">
+  <mc:AlternateContent xmlns:mc="http://schemas.openxmlformats.org/markup-compatibility/2006" xmlns:p14="http://schemas.microsoft.com/office/powerpoint/2010/main">
+    <mc:Choice Requires="p14">
       <p:transition p14:dur="250">
         <p:fade/>
       </p:transition>
     </mc:Choice>
-    <mc:Fallback>
+    <mc:Fallback xmlns="">
       <p:transition>
         <p:fade/>
       </p:transition>
@@ -12444,13 +12446,13 @@
   <p:clrMapOvr>
     <a:masterClrMapping/>
   </p:clrMapOvr>
-  <mc:AlternateContent xmlns:mc="http://schemas.openxmlformats.org/markup-compatibility/2006">
-    <mc:Choice xmlns:p14="http://schemas.microsoft.com/office/powerpoint/2010/main" Requires="p14">
+  <mc:AlternateContent xmlns:mc="http://schemas.openxmlformats.org/markup-compatibility/2006" xmlns:p14="http://schemas.microsoft.com/office/powerpoint/2010/main">
+    <mc:Choice Requires="p14">
       <p:transition p14:dur="250">
         <p:fade/>
       </p:transition>
     </mc:Choice>
-    <mc:Fallback>
+    <mc:Fallback xmlns="">
       <p:transition>
         <p:fade/>
       </p:transition>
@@ -12636,13 +12638,13 @@
   <p:clrMapOvr>
     <a:masterClrMapping/>
   </p:clrMapOvr>
-  <mc:AlternateContent xmlns:mc="http://schemas.openxmlformats.org/markup-compatibility/2006">
-    <mc:Choice xmlns:p14="http://schemas.microsoft.com/office/powerpoint/2010/main" Requires="p14">
+  <mc:AlternateContent xmlns:mc="http://schemas.openxmlformats.org/markup-compatibility/2006" xmlns:p14="http://schemas.microsoft.com/office/powerpoint/2010/main">
+    <mc:Choice Requires="p14">
       <p:transition p14:dur="250">
         <p:fade/>
       </p:transition>
     </mc:Choice>
-    <mc:Fallback>
+    <mc:Fallback xmlns="">
       <p:transition>
         <p:fade/>
       </p:transition>
@@ -12823,13 +12825,13 @@
   <p:clrMapOvr>
     <a:masterClrMapping/>
   </p:clrMapOvr>
-  <mc:AlternateContent xmlns:mc="http://schemas.openxmlformats.org/markup-compatibility/2006">
-    <mc:Choice xmlns:p14="http://schemas.microsoft.com/office/powerpoint/2010/main" Requires="p14">
+  <mc:AlternateContent xmlns:mc="http://schemas.openxmlformats.org/markup-compatibility/2006" xmlns:p14="http://schemas.microsoft.com/office/powerpoint/2010/main">
+    <mc:Choice Requires="p14">
       <p:transition p14:dur="250">
         <p:fade/>
       </p:transition>
     </mc:Choice>
-    <mc:Fallback>
+    <mc:Fallback xmlns="">
       <p:transition>
         <p:fade/>
       </p:transition>
@@ -13081,13 +13083,13 @@
   <p:clrMapOvr>
     <a:masterClrMapping/>
   </p:clrMapOvr>
-  <mc:AlternateContent xmlns:mc="http://schemas.openxmlformats.org/markup-compatibility/2006">
-    <mc:Choice xmlns:p14="http://schemas.microsoft.com/office/powerpoint/2010/main" Requires="p14">
+  <mc:AlternateContent xmlns:mc="http://schemas.openxmlformats.org/markup-compatibility/2006" xmlns:p14="http://schemas.microsoft.com/office/powerpoint/2010/main">
+    <mc:Choice Requires="p14">
       <p:transition p14:dur="250">
         <p:fade/>
       </p:transition>
     </mc:Choice>
-    <mc:Fallback>
+    <mc:Fallback xmlns="">
       <p:transition>
         <p:fade/>
       </p:transition>
@@ -13390,13 +13392,13 @@
   <p:clrMapOvr>
     <a:masterClrMapping/>
   </p:clrMapOvr>
-  <mc:AlternateContent xmlns:mc="http://schemas.openxmlformats.org/markup-compatibility/2006">
-    <mc:Choice xmlns:p14="http://schemas.microsoft.com/office/powerpoint/2010/main" Requires="p14">
+  <mc:AlternateContent xmlns:mc="http://schemas.openxmlformats.org/markup-compatibility/2006" xmlns:p14="http://schemas.microsoft.com/office/powerpoint/2010/main">
+    <mc:Choice Requires="p14">
       <p:transition p14:dur="250">
         <p:fade/>
       </p:transition>
     </mc:Choice>
-    <mc:Fallback>
+    <mc:Fallback xmlns="">
       <p:transition>
         <p:fade/>
       </p:transition>
@@ -13844,13 +13846,13 @@
   <p:clrMapOvr>
     <a:masterClrMapping/>
   </p:clrMapOvr>
-  <mc:AlternateContent xmlns:mc="http://schemas.openxmlformats.org/markup-compatibility/2006">
-    <mc:Choice xmlns:p14="http://schemas.microsoft.com/office/powerpoint/2010/main" Requires="p14">
+  <mc:AlternateContent xmlns:mc="http://schemas.openxmlformats.org/markup-compatibility/2006" xmlns:p14="http://schemas.microsoft.com/office/powerpoint/2010/main">
+    <mc:Choice Requires="p14">
       <p:transition p14:dur="250">
         <p:fade/>
       </p:transition>
     </mc:Choice>
-    <mc:Fallback>
+    <mc:Fallback xmlns="">
       <p:transition>
         <p:fade/>
       </p:transition>
@@ -13974,13 +13976,13 @@
   <p:clrMapOvr>
     <a:masterClrMapping/>
   </p:clrMapOvr>
-  <mc:AlternateContent xmlns:mc="http://schemas.openxmlformats.org/markup-compatibility/2006">
-    <mc:Choice xmlns:p14="http://schemas.microsoft.com/office/powerpoint/2010/main" Requires="p14">
+  <mc:AlternateContent xmlns:mc="http://schemas.openxmlformats.org/markup-compatibility/2006" xmlns:p14="http://schemas.microsoft.com/office/powerpoint/2010/main">
+    <mc:Choice Requires="p14">
       <p:transition p14:dur="250">
         <p:fade/>
       </p:transition>
     </mc:Choice>
-    <mc:Fallback>
+    <mc:Fallback xmlns="">
       <p:transition>
         <p:fade/>
       </p:transition>
@@ -14081,13 +14083,13 @@
   <p:clrMapOvr>
     <a:masterClrMapping/>
   </p:clrMapOvr>
-  <mc:AlternateContent xmlns:mc="http://schemas.openxmlformats.org/markup-compatibility/2006">
-    <mc:Choice xmlns:p14="http://schemas.microsoft.com/office/powerpoint/2010/main" Requires="p14">
+  <mc:AlternateContent xmlns:mc="http://schemas.openxmlformats.org/markup-compatibility/2006" xmlns:p14="http://schemas.microsoft.com/office/powerpoint/2010/main">
+    <mc:Choice Requires="p14">
       <p:transition p14:dur="250">
         <p:fade/>
       </p:transition>
     </mc:Choice>
-    <mc:Fallback>
+    <mc:Fallback xmlns="">
       <p:transition>
         <p:fade/>
       </p:transition>
@@ -14376,13 +14378,13 @@
   <p:clrMapOvr>
     <a:masterClrMapping/>
   </p:clrMapOvr>
-  <mc:AlternateContent xmlns:mc="http://schemas.openxmlformats.org/markup-compatibility/2006">
-    <mc:Choice xmlns:p14="http://schemas.microsoft.com/office/powerpoint/2010/main" Requires="p14">
+  <mc:AlternateContent xmlns:mc="http://schemas.openxmlformats.org/markup-compatibility/2006" xmlns:p14="http://schemas.microsoft.com/office/powerpoint/2010/main">
+    <mc:Choice Requires="p14">
       <p:transition p14:dur="250">
         <p:fade/>
       </p:transition>
     </mc:Choice>
-    <mc:Fallback>
+    <mc:Fallback xmlns="">
       <p:transition>
         <p:fade/>
       </p:transition>
@@ -14679,13 +14681,13 @@
   <p:clrMapOvr>
     <a:masterClrMapping/>
   </p:clrMapOvr>
-  <mc:AlternateContent xmlns:mc="http://schemas.openxmlformats.org/markup-compatibility/2006">
-    <mc:Choice xmlns:p14="http://schemas.microsoft.com/office/powerpoint/2010/main" Requires="p14">
+  <mc:AlternateContent xmlns:mc="http://schemas.openxmlformats.org/markup-compatibility/2006" xmlns:p14="http://schemas.microsoft.com/office/powerpoint/2010/main">
+    <mc:Choice Requires="p14">
       <p:transition p14:dur="250">
         <p:fade/>
       </p:transition>
     </mc:Choice>
-    <mc:Fallback>
+    <mc:Fallback xmlns="">
       <p:transition>
         <p:fade/>
       </p:transition>
@@ -15274,13 +15276,13 @@
     <p:sldLayoutId id="2147483676" r:id="rId16"/>
     <p:sldLayoutId id="2147483677" r:id="rId17"/>
   </p:sldLayoutIdLst>
-  <mc:AlternateContent xmlns:mc="http://schemas.openxmlformats.org/markup-compatibility/2006">
-    <mc:Choice xmlns:p14="http://schemas.microsoft.com/office/powerpoint/2010/main" Requires="p14">
+  <mc:AlternateContent xmlns:mc="http://schemas.openxmlformats.org/markup-compatibility/2006" xmlns:p14="http://schemas.microsoft.com/office/powerpoint/2010/main">
+    <mc:Choice Requires="p14">
       <p:transition p14:dur="250">
         <p:fade/>
       </p:transition>
     </mc:Choice>
-    <mc:Fallback>
+    <mc:Fallback xmlns="">
       <p:transition>
         <p:fade/>
       </p:transition>
@@ -15810,13 +15812,13 @@
   <p:clrMapOvr>
     <a:masterClrMapping/>
   </p:clrMapOvr>
-  <mc:AlternateContent xmlns:mc="http://schemas.openxmlformats.org/markup-compatibility/2006">
-    <mc:Choice xmlns:p14="http://schemas.microsoft.com/office/powerpoint/2010/main" Requires="p14">
+  <mc:AlternateContent xmlns:mc="http://schemas.openxmlformats.org/markup-compatibility/2006" xmlns:p14="http://schemas.microsoft.com/office/powerpoint/2010/main">
+    <mc:Choice Requires="p14">
       <p:transition p14:dur="250">
         <p:fade/>
       </p:transition>
     </mc:Choice>
-    <mc:Fallback>
+    <mc:Fallback xmlns="">
       <p:transition>
         <p:fade/>
       </p:transition>
@@ -15861,6 +15863,175 @@
         </p:nvSpPr>
         <p:spPr>
           <a:xfrm>
+            <a:off x="1484311" y="685800"/>
+            <a:ext cx="10018713" cy="957263"/>
+          </a:xfrm>
+        </p:spPr>
+        <p:txBody>
+          <a:bodyPr/>
+          <a:lstStyle/>
+          <a:p>
+            <a:r>
+              <a:rPr lang="en-US" dirty="0"/>
+              <a:t>Limitations of </a:t>
+            </a:r>
+            <a:r>
+              <a:rPr lang="en-US" dirty="0" smtClean="0"/>
+              <a:t>FDTD </a:t>
+            </a:r>
+            <a:r>
+              <a:rPr lang="en-US" dirty="0"/>
+              <a:t>Algorithm</a:t>
+            </a:r>
+          </a:p>
+        </p:txBody>
+      </p:sp>
+      <p:sp>
+        <p:nvSpPr>
+          <p:cNvPr id="3" name="Content Placeholder 2"/>
+          <p:cNvSpPr>
+            <a:spLocks noGrp="1"/>
+          </p:cNvSpPr>
+          <p:nvPr>
+            <p:ph idx="1"/>
+          </p:nvPr>
+        </p:nvSpPr>
+        <p:spPr>
+          <a:xfrm>
+            <a:off x="1484310" y="1643063"/>
+            <a:ext cx="10018713" cy="4148137"/>
+          </a:xfrm>
+        </p:spPr>
+        <p:txBody>
+          <a:bodyPr anchor="t"/>
+          <a:lstStyle/>
+          <a:p>
+            <a:pPr algn="just"/>
+            <a:r>
+              <a:rPr lang="en-US" dirty="0" smtClean="0"/>
+              <a:t>Cannot </a:t>
+            </a:r>
+            <a:r>
+              <a:rPr lang="en-US" dirty="0"/>
+              <a:t>cater for negative values of permittivity or </a:t>
+            </a:r>
+            <a:r>
+              <a:rPr lang="en-US" dirty="0" smtClean="0"/>
+              <a:t>permeability (unstable results)</a:t>
+            </a:r>
+          </a:p>
+          <a:p>
+            <a:pPr algn="just"/>
+            <a:r>
+              <a:rPr lang="en-US" dirty="0"/>
+              <a:t>This is because of the Courant stability </a:t>
+            </a:r>
+            <a:r>
+              <a:rPr lang="en-US" dirty="0" smtClean="0"/>
+              <a:t>criterion</a:t>
+            </a:r>
+          </a:p>
+          <a:p>
+            <a:pPr algn="just"/>
+            <a:r>
+              <a:rPr lang="en-US" dirty="0" smtClean="0"/>
+              <a:t>Solution: </a:t>
+            </a:r>
+            <a:r>
+              <a:rPr lang="en-US" dirty="0" err="1" smtClean="0"/>
+              <a:t>Drudes</a:t>
+            </a:r>
+            <a:r>
+              <a:rPr lang="en-US" dirty="0" smtClean="0"/>
+              <a:t> Model</a:t>
+            </a:r>
+          </a:p>
+        </p:txBody>
+      </p:sp>
+      <p:sp>
+        <p:nvSpPr>
+          <p:cNvPr id="5" name="Slide Number Placeholder 4"/>
+          <p:cNvSpPr>
+            <a:spLocks noGrp="1"/>
+          </p:cNvSpPr>
+          <p:nvPr>
+            <p:ph type="sldNum" sz="quarter" idx="12"/>
+          </p:nvPr>
+        </p:nvSpPr>
+        <p:spPr/>
+        <p:txBody>
+          <a:bodyPr/>
+          <a:lstStyle/>
+          <a:p>
+            <a:fld id="{55966931-0045-43D2-B371-B6A3978A5C99}" type="slidenum">
+              <a:rPr lang="en-US" smtClean="0"/>
+              <a:t>10</a:t>
+            </a:fld>
+            <a:endParaRPr lang="en-US"/>
+          </a:p>
+        </p:txBody>
+      </p:sp>
+    </p:spTree>
+    <p:extLst>
+      <p:ext uri="{BB962C8B-B14F-4D97-AF65-F5344CB8AC3E}">
+        <p14:creationId xmlns:p14="http://schemas.microsoft.com/office/powerpoint/2010/main" val="490214747"/>
+      </p:ext>
+    </p:extLst>
+  </p:cSld>
+  <p:clrMapOvr>
+    <a:masterClrMapping/>
+  </p:clrMapOvr>
+  <mc:AlternateContent xmlns:mc="http://schemas.openxmlformats.org/markup-compatibility/2006" xmlns:p14="http://schemas.microsoft.com/office/powerpoint/2010/main">
+    <mc:Choice Requires="p14">
+      <p:transition p14:dur="250">
+        <p:fade/>
+      </p:transition>
+    </mc:Choice>
+    <mc:Fallback xmlns="">
+      <p:transition>
+        <p:fade/>
+      </p:transition>
+    </mc:Fallback>
+  </mc:AlternateContent>
+  <p:timing>
+    <p:tnLst>
+      <p:par>
+        <p:cTn id="1" dur="indefinite" restart="never" nodeType="tmRoot"/>
+      </p:par>
+    </p:tnLst>
+  </p:timing>
+</p:sld>
+</file>
+
+<file path=ppt/slides/slide11.xml><?xml version="1.0" encoding="utf-8"?>
+<p:sld xmlns:a="http://schemas.openxmlformats.org/drawingml/2006/main" xmlns:r="http://schemas.openxmlformats.org/officeDocument/2006/relationships" xmlns:p="http://schemas.openxmlformats.org/presentationml/2006/main">
+  <p:cSld>
+    <p:spTree>
+      <p:nvGrpSpPr>
+        <p:cNvPr id="1" name=""/>
+        <p:cNvGrpSpPr/>
+        <p:nvPr/>
+      </p:nvGrpSpPr>
+      <p:grpSpPr>
+        <a:xfrm>
+          <a:off x="0" y="0"/>
+          <a:ext cx="0" cy="0"/>
+          <a:chOff x="0" y="0"/>
+          <a:chExt cx="0" cy="0"/>
+        </a:xfrm>
+      </p:grpSpPr>
+      <p:sp>
+        <p:nvSpPr>
+          <p:cNvPr id="2" name="Title 1"/>
+          <p:cNvSpPr>
+            <a:spLocks noGrp="1"/>
+          </p:cNvSpPr>
+          <p:nvPr>
+            <p:ph type="title"/>
+          </p:nvPr>
+        </p:nvSpPr>
+        <p:spPr>
+          <a:xfrm>
             <a:off x="1484311" y="685801"/>
             <a:ext cx="10018713" cy="985838"/>
           </a:xfrm>
@@ -15904,7 +16075,15 @@
             <a:pPr algn="just"/>
             <a:r>
               <a:rPr lang="en-US" sz="2600" dirty="0"/>
-              <a:t>It relates the net force on charges moving under the influence of an electric field and facing n impeding force due to collisions with material</a:t>
+              <a:t>It relates the net force on charges moving under the influence of an electric field and facing </a:t>
+            </a:r>
+            <a:r>
+              <a:rPr lang="en-US" sz="2600" dirty="0" smtClean="0"/>
+              <a:t>an </a:t>
+            </a:r>
+            <a:r>
+              <a:rPr lang="en-US" sz="2600" dirty="0"/>
+              <a:t>impeding force due to collisions with material</a:t>
             </a:r>
           </a:p>
           <a:p>
@@ -15972,7 +16151,7 @@
           <a:p>
             <a:fld id="{55966931-0045-43D2-B371-B6A3978A5C99}" type="slidenum">
               <a:rPr lang="en-US" smtClean="0"/>
-              <a:t>10</a:t>
+              <a:t>11</a:t>
             </a:fld>
             <a:endParaRPr lang="en-US"/>
           </a:p>
@@ -15988,13 +16167,13 @@
   <p:clrMapOvr>
     <a:masterClrMapping/>
   </p:clrMapOvr>
-  <mc:AlternateContent xmlns:mc="http://schemas.openxmlformats.org/markup-compatibility/2006">
-    <mc:Choice xmlns:p14="http://schemas.microsoft.com/office/powerpoint/2010/main" Requires="p14">
+  <mc:AlternateContent xmlns:mc="http://schemas.openxmlformats.org/markup-compatibility/2006" xmlns:p14="http://schemas.microsoft.com/office/powerpoint/2010/main">
+    <mc:Choice Requires="p14">
       <p:transition p14:dur="250">
         <p:fade/>
       </p:transition>
     </mc:Choice>
-    <mc:Fallback>
+    <mc:Fallback xmlns="">
       <p:transition>
         <p:fade/>
       </p:transition>
@@ -16010,7 +16189,7 @@
 </p:sld>
 </file>
 
-<file path=ppt/slides/slide11.xml><?xml version="1.0" encoding="utf-8"?>
+<file path=ppt/slides/slide12.xml><?xml version="1.0" encoding="utf-8"?>
 <p:sld xmlns:a="http://schemas.openxmlformats.org/drawingml/2006/main" xmlns:r="http://schemas.openxmlformats.org/officeDocument/2006/relationships" xmlns:p="http://schemas.openxmlformats.org/presentationml/2006/main">
   <p:cSld>
     <p:spTree>
@@ -16443,7 +16622,7 @@
         </p:nvSpPr>
         <p:spPr>
           <a:xfrm>
-            <a:off x="1657356" y="4400528"/>
+            <a:off x="1657356" y="4605245"/>
             <a:ext cx="3786188" cy="457200"/>
           </a:xfrm>
           <a:prstGeom prst="roundRect">
@@ -16485,7 +16664,7 @@
         </p:nvSpPr>
         <p:spPr>
           <a:xfrm>
-            <a:off x="1655766" y="4943450"/>
+            <a:off x="1655766" y="5148167"/>
             <a:ext cx="3787778" cy="457200"/>
           </a:xfrm>
           <a:prstGeom prst="roundRect">
@@ -16521,56 +16700,14 @@
       </p:sp>
       <p:sp>
         <p:nvSpPr>
-          <p:cNvPr id="14" name="Rounded Rectangle 13"/>
-          <p:cNvSpPr/>
-          <p:nvPr/>
-        </p:nvSpPr>
-        <p:spPr>
-          <a:xfrm>
-            <a:off x="1655766" y="5486372"/>
-            <a:ext cx="3787778" cy="457200"/>
-          </a:xfrm>
-          <a:prstGeom prst="roundRect">
-            <a:avLst/>
-          </a:prstGeom>
-        </p:spPr>
-        <p:style>
-          <a:lnRef idx="2">
-            <a:schemeClr val="accent1"/>
-          </a:lnRef>
-          <a:fillRef idx="1">
-            <a:schemeClr val="lt1"/>
-          </a:fillRef>
-          <a:effectRef idx="0">
-            <a:schemeClr val="accent1"/>
-          </a:effectRef>
-          <a:fontRef idx="minor">
-            <a:schemeClr val="dk1"/>
-          </a:fontRef>
-        </p:style>
-        <p:txBody>
-          <a:bodyPr rtlCol="0" anchor="ctr"/>
-          <a:lstStyle/>
-          <a:p>
-            <a:pPr algn="ctr"/>
-            <a:r>
-              <a:rPr lang="en-US" dirty="0" smtClean="0"/>
-              <a:t>Initialize simulation parameter arrays</a:t>
-            </a:r>
-            <a:endParaRPr lang="en-US" dirty="0"/>
-          </a:p>
-        </p:txBody>
-      </p:sp>
-      <p:sp>
-        <p:nvSpPr>
           <p:cNvPr id="17" name="Rectangle 16"/>
           <p:cNvSpPr/>
           <p:nvPr/>
         </p:nvSpPr>
         <p:spPr>
           <a:xfrm>
-            <a:off x="1462885" y="4229108"/>
-            <a:ext cx="4173540" cy="1900237"/>
+            <a:off x="1462885" y="4433825"/>
+            <a:ext cx="4173540" cy="1421065"/>
           </a:xfrm>
           <a:prstGeom prst="rect">
             <a:avLst/>
@@ -16768,8 +16905,8 @@
         </p:nvCxnSpPr>
         <p:spPr>
           <a:xfrm rot="5400000">
-            <a:off x="7127070" y="3531389"/>
-            <a:ext cx="157193" cy="3138482"/>
+            <a:off x="7144504" y="3513955"/>
+            <a:ext cx="122324" cy="3138482"/>
           </a:xfrm>
           <a:prstGeom prst="bentConnector2">
             <a:avLst/>
@@ -16891,7 +17028,7 @@
         </p:nvSpPr>
         <p:spPr>
           <a:xfrm>
-            <a:off x="1484310" y="3902640"/>
+            <a:off x="1484310" y="4107357"/>
             <a:ext cx="1710212" cy="369332"/>
           </a:xfrm>
           <a:prstGeom prst="rect">
@@ -16965,7 +17102,7 @@
           <a:p>
             <a:fld id="{55966931-0045-43D2-B371-B6A3978A5C99}" type="slidenum">
               <a:rPr lang="en-US" smtClean="0"/>
-              <a:t>11</a:t>
+              <a:t>12</a:t>
             </a:fld>
             <a:endParaRPr lang="en-US"/>
           </a:p>
@@ -16981,13 +17118,13 @@
   <p:clrMapOvr>
     <a:masterClrMapping/>
   </p:clrMapOvr>
-  <mc:AlternateContent xmlns:mc="http://schemas.openxmlformats.org/markup-compatibility/2006">
-    <mc:Choice xmlns:p14="http://schemas.microsoft.com/office/powerpoint/2010/main" Requires="p14">
+  <mc:AlternateContent xmlns:mc="http://schemas.openxmlformats.org/markup-compatibility/2006" xmlns:p14="http://schemas.microsoft.com/office/powerpoint/2010/main">
+    <mc:Choice Requires="p14">
       <p:transition p14:dur="250">
         <p:fade/>
       </p:transition>
     </mc:Choice>
-    <mc:Fallback>
+    <mc:Fallback xmlns="">
       <p:transition>
         <p:fade/>
       </p:transition>
@@ -17003,7 +17140,7 @@
 </p:sld>
 </file>
 
-<file path=ppt/slides/slide12.xml><?xml version="1.0" encoding="utf-8"?>
+<file path=ppt/slides/slide13.xml><?xml version="1.0" encoding="utf-8"?>
 <p:sld xmlns:a="http://schemas.openxmlformats.org/drawingml/2006/main" xmlns:r="http://schemas.openxmlformats.org/officeDocument/2006/relationships" xmlns:p="http://schemas.openxmlformats.org/presentationml/2006/main">
   <p:cSld>
     <p:spTree>
@@ -17048,8 +17185,8 @@
           </a:p>
         </p:txBody>
       </p:sp>
-      <mc:AlternateContent xmlns:mc="http://schemas.openxmlformats.org/markup-compatibility/2006">
-        <mc:Choice xmlns:a14="http://schemas.microsoft.com/office/drawing/2010/main" Requires="a14">
+      <mc:AlternateContent xmlns:mc="http://schemas.openxmlformats.org/markup-compatibility/2006" xmlns:a14="http://schemas.microsoft.com/office/drawing/2010/main">
+        <mc:Choice Requires="a14">
           <p:sp>
             <p:nvSpPr>
               <p:cNvPr id="6" name="Content Placeholder 5"/>
@@ -17093,14 +17230,7 @@
                             <m:nor/>
                           </m:rPr>
                           <a:rPr lang="en-US" dirty="0"/>
-                          <m:t>µ</m:t>
-                        </m:r>
-                        <m:r>
-                          <m:rPr>
-                            <m:nor/>
-                          </m:rPr>
-                          <a:rPr lang="en-US" dirty="0"/>
-                          <m:t> </m:t>
+                          <m:t>µ </m:t>
                         </m:r>
                         <m:r>
                           <m:rPr>
@@ -17198,11 +17328,7 @@
               <a:p>
                 <a:r>
                   <a:rPr lang="en-US" dirty="0" smtClean="0"/>
-                  <a:t>A </a:t>
-                </a:r>
-                <a:r>
-                  <a:rPr lang="en-US" dirty="0" smtClean="0"/>
-                  <a:t>sine wave of 3 </a:t>
+                  <a:t>A sine wave of 3 </a:t>
                 </a:r>
                 <a:r>
                   <a:rPr lang="en-US" dirty="0" err="1" smtClean="0"/>
@@ -17219,7 +17345,7 @@
             </p:txBody>
           </p:sp>
         </mc:Choice>
-        <mc:Fallback>
+        <mc:Fallback xmlns="">
           <p:sp>
             <p:nvSpPr>
               <p:cNvPr id="6" name="Content Placeholder 5"/>
@@ -17304,7 +17430,7 @@
           <a:p>
             <a:fld id="{55966931-0045-43D2-B371-B6A3978A5C99}" type="slidenum">
               <a:rPr lang="en-US" smtClean="0"/>
-              <a:t>12</a:t>
+              <a:t>13</a:t>
             </a:fld>
             <a:endParaRPr lang="en-US"/>
           </a:p>
@@ -17320,13 +17446,13 @@
   <p:clrMapOvr>
     <a:masterClrMapping/>
   </p:clrMapOvr>
-  <mc:AlternateContent xmlns:mc="http://schemas.openxmlformats.org/markup-compatibility/2006">
-    <mc:Choice xmlns:p14="http://schemas.microsoft.com/office/powerpoint/2010/main" Requires="p14">
+  <mc:AlternateContent xmlns:mc="http://schemas.openxmlformats.org/markup-compatibility/2006" xmlns:p14="http://schemas.microsoft.com/office/powerpoint/2010/main">
+    <mc:Choice Requires="p14">
       <p:transition p14:dur="250">
         <p:fade/>
       </p:transition>
     </mc:Choice>
-    <mc:Fallback>
+    <mc:Fallback xmlns="">
       <p:transition>
         <p:fade/>
       </p:transition>
@@ -17342,7 +17468,7 @@
 </p:sld>
 </file>
 
-<file path=ppt/slides/slide13.xml><?xml version="1.0" encoding="utf-8"?>
+<file path=ppt/slides/slide14.xml><?xml version="1.0" encoding="utf-8"?>
 <p:sld xmlns:a="http://schemas.openxmlformats.org/drawingml/2006/main" xmlns:r="http://schemas.openxmlformats.org/officeDocument/2006/relationships" xmlns:p="http://schemas.openxmlformats.org/presentationml/2006/main">
   <p:cSld>
     <p:spTree>
@@ -17414,8 +17540,12 @@
           <a:p>
             <a:pPr lvl="1"/>
             <a:r>
+              <a:rPr lang="en-US" dirty="0"/>
+              <a:t>P</a:t>
+            </a:r>
+            <a:r>
               <a:rPr lang="en-US" dirty="0" smtClean="0"/>
-              <a:t>phase </a:t>
+              <a:t>hase </a:t>
             </a:r>
             <a:r>
               <a:rPr lang="en-US" dirty="0"/>
@@ -17442,8 +17572,12 @@
           <a:p>
             <a:pPr lvl="1"/>
             <a:r>
+              <a:rPr lang="en-US" dirty="0" smtClean="0"/>
+              <a:t>Different </a:t>
+            </a:r>
+            <a:r>
               <a:rPr lang="en-US" dirty="0"/>
-              <a:t>different velocities for different </a:t>
+              <a:t>velocities for different </a:t>
             </a:r>
             <a:r>
               <a:rPr lang="en-US" dirty="0" smtClean="0"/>
@@ -17514,7 +17648,7 @@
           <a:p>
             <a:fld id="{55966931-0045-43D2-B371-B6A3978A5C99}" type="slidenum">
               <a:rPr lang="en-US" smtClean="0"/>
-              <a:t>13</a:t>
+              <a:t>14</a:t>
             </a:fld>
             <a:endParaRPr lang="en-US"/>
           </a:p>
@@ -17560,13 +17694,13 @@
   <p:clrMapOvr>
     <a:masterClrMapping/>
   </p:clrMapOvr>
-  <mc:AlternateContent xmlns:mc="http://schemas.openxmlformats.org/markup-compatibility/2006">
-    <mc:Choice xmlns:p14="http://schemas.microsoft.com/office/powerpoint/2010/main" Requires="p14">
+  <mc:AlternateContent xmlns:mc="http://schemas.openxmlformats.org/markup-compatibility/2006" xmlns:p14="http://schemas.microsoft.com/office/powerpoint/2010/main">
+    <mc:Choice Requires="p14">
       <p:transition p14:dur="250">
         <p:fade/>
       </p:transition>
     </mc:Choice>
-    <mc:Fallback>
+    <mc:Fallback xmlns="">
       <p:transition>
         <p:fade/>
       </p:transition>
@@ -17712,7 +17846,7 @@
 </p:sld>
 </file>
 
-<file path=ppt/slides/slide14.xml><?xml version="1.0" encoding="utf-8"?>
+<file path=ppt/slides/slide15.xml><?xml version="1.0" encoding="utf-8"?>
 <p:sld xmlns:a="http://schemas.openxmlformats.org/drawingml/2006/main" xmlns:r="http://schemas.openxmlformats.org/officeDocument/2006/relationships" xmlns:p="http://schemas.openxmlformats.org/presentationml/2006/main">
   <p:cSld>
     <p:spTree>
@@ -17774,7 +17908,7 @@
           <a:p>
             <a:fld id="{55966931-0045-43D2-B371-B6A3978A5C99}" type="slidenum">
               <a:rPr lang="en-US" smtClean="0"/>
-              <a:t>14</a:t>
+              <a:t>15</a:t>
             </a:fld>
             <a:endParaRPr lang="en-US"/>
           </a:p>
@@ -17878,149 +18012,13 @@
   <p:clrMapOvr>
     <a:masterClrMapping/>
   </p:clrMapOvr>
-  <mc:AlternateContent xmlns:mc="http://schemas.openxmlformats.org/markup-compatibility/2006">
-    <mc:Choice xmlns:p14="http://schemas.microsoft.com/office/powerpoint/2010/main" Requires="p14">
+  <mc:AlternateContent xmlns:mc="http://schemas.openxmlformats.org/markup-compatibility/2006" xmlns:p14="http://schemas.microsoft.com/office/powerpoint/2010/main">
+    <mc:Choice Requires="p14">
       <p:transition p14:dur="250">
         <p:fade/>
       </p:transition>
     </mc:Choice>
-    <mc:Fallback>
-      <p:transition>
-        <p:fade/>
-      </p:transition>
-    </mc:Fallback>
-  </mc:AlternateContent>
-  <p:timing>
-    <p:tnLst>
-      <p:par>
-        <p:cTn id="1" dur="indefinite" restart="never" nodeType="tmRoot"/>
-      </p:par>
-    </p:tnLst>
-  </p:timing>
-</p:sld>
-</file>
-
-<file path=ppt/slides/slide15.xml><?xml version="1.0" encoding="utf-8"?>
-<p:sld xmlns:a="http://schemas.openxmlformats.org/drawingml/2006/main" xmlns:r="http://schemas.openxmlformats.org/officeDocument/2006/relationships" xmlns:p="http://schemas.openxmlformats.org/presentationml/2006/main">
-  <p:cSld>
-    <p:spTree>
-      <p:nvGrpSpPr>
-        <p:cNvPr id="1" name=""/>
-        <p:cNvGrpSpPr/>
-        <p:nvPr/>
-      </p:nvGrpSpPr>
-      <p:grpSpPr>
-        <a:xfrm>
-          <a:off x="0" y="0"/>
-          <a:ext cx="0" cy="0"/>
-          <a:chOff x="0" y="0"/>
-          <a:chExt cx="0" cy="0"/>
-        </a:xfrm>
-      </p:grpSpPr>
-      <p:sp>
-        <p:nvSpPr>
-          <p:cNvPr id="2" name="Title 1"/>
-          <p:cNvSpPr>
-            <a:spLocks noGrp="1"/>
-          </p:cNvSpPr>
-          <p:nvPr>
-            <p:ph type="title"/>
-          </p:nvPr>
-        </p:nvSpPr>
-        <p:spPr>
-          <a:xfrm>
-            <a:off x="1484311" y="685801"/>
-            <a:ext cx="10018713" cy="985838"/>
-          </a:xfrm>
-        </p:spPr>
-        <p:txBody>
-          <a:bodyPr/>
-          <a:lstStyle/>
-          <a:p>
-            <a:r>
-              <a:rPr lang="en-US" dirty="0" smtClean="0"/>
-              <a:t>Problems</a:t>
-            </a:r>
-            <a:endParaRPr lang="en-US" dirty="0"/>
-          </a:p>
-        </p:txBody>
-      </p:sp>
-      <p:sp>
-        <p:nvSpPr>
-          <p:cNvPr id="3" name="Content Placeholder 2"/>
-          <p:cNvSpPr>
-            <a:spLocks noGrp="1"/>
-          </p:cNvSpPr>
-          <p:nvPr>
-            <p:ph idx="1"/>
-          </p:nvPr>
-        </p:nvSpPr>
-        <p:spPr>
-          <a:xfrm>
-            <a:off x="1484310" y="1928813"/>
-            <a:ext cx="10018713" cy="3862387"/>
-          </a:xfrm>
-        </p:spPr>
-        <p:txBody>
-          <a:bodyPr anchor="t"/>
-          <a:lstStyle/>
-          <a:p>
-            <a:r>
-              <a:rPr lang="en-US" dirty="0" smtClean="0"/>
-              <a:t>Grid truncation</a:t>
-            </a:r>
-          </a:p>
-          <a:p>
-            <a:r>
-              <a:rPr lang="en-US" dirty="0" smtClean="0"/>
-              <a:t>Boundary condition</a:t>
-            </a:r>
-          </a:p>
-          <a:p>
-            <a:endParaRPr lang="en-US" dirty="0"/>
-          </a:p>
-        </p:txBody>
-      </p:sp>
-      <p:sp>
-        <p:nvSpPr>
-          <p:cNvPr id="5" name="Slide Number Placeholder 4"/>
-          <p:cNvSpPr>
-            <a:spLocks noGrp="1"/>
-          </p:cNvSpPr>
-          <p:nvPr>
-            <p:ph type="sldNum" sz="quarter" idx="12"/>
-          </p:nvPr>
-        </p:nvSpPr>
-        <p:spPr/>
-        <p:txBody>
-          <a:bodyPr/>
-          <a:lstStyle/>
-          <a:p>
-            <a:fld id="{55966931-0045-43D2-B371-B6A3978A5C99}" type="slidenum">
-              <a:rPr lang="en-US" smtClean="0"/>
-              <a:t>15</a:t>
-            </a:fld>
-            <a:endParaRPr lang="en-US"/>
-          </a:p>
-        </p:txBody>
-      </p:sp>
-    </p:spTree>
-    <p:extLst>
-      <p:ext uri="{BB962C8B-B14F-4D97-AF65-F5344CB8AC3E}">
-        <p14:creationId xmlns:p14="http://schemas.microsoft.com/office/powerpoint/2010/main" val="2602813431"/>
-      </p:ext>
-    </p:extLst>
-  </p:cSld>
-  <p:clrMapOvr>
-    <a:masterClrMapping/>
-  </p:clrMapOvr>
-  <mc:AlternateContent xmlns:mc="http://schemas.openxmlformats.org/markup-compatibility/2006">
-    <mc:Choice xmlns:p14="http://schemas.microsoft.com/office/powerpoint/2010/main" Requires="p14">
-      <p:transition p14:dur="250">
-        <p:fade/>
-      </p:transition>
-    </mc:Choice>
-    <mc:Fallback>
+    <mc:Fallback xmlns="">
       <p:transition>
         <p:fade/>
       </p:transition>
@@ -18075,6 +18073,142 @@
           <a:p>
             <a:r>
               <a:rPr lang="en-US" dirty="0" smtClean="0"/>
+              <a:t>Problems</a:t>
+            </a:r>
+            <a:endParaRPr lang="en-US" dirty="0"/>
+          </a:p>
+        </p:txBody>
+      </p:sp>
+      <p:sp>
+        <p:nvSpPr>
+          <p:cNvPr id="3" name="Content Placeholder 2"/>
+          <p:cNvSpPr>
+            <a:spLocks noGrp="1"/>
+          </p:cNvSpPr>
+          <p:nvPr>
+            <p:ph idx="1"/>
+          </p:nvPr>
+        </p:nvSpPr>
+        <p:spPr>
+          <a:xfrm>
+            <a:off x="1484310" y="1928813"/>
+            <a:ext cx="10018713" cy="3862387"/>
+          </a:xfrm>
+        </p:spPr>
+        <p:txBody>
+          <a:bodyPr anchor="t"/>
+          <a:lstStyle/>
+          <a:p>
+            <a:r>
+              <a:rPr lang="en-US" dirty="0" smtClean="0"/>
+              <a:t>Grid truncation</a:t>
+            </a:r>
+          </a:p>
+          <a:p>
+            <a:r>
+              <a:rPr lang="en-US" dirty="0" smtClean="0"/>
+              <a:t>Boundary condition</a:t>
+            </a:r>
+          </a:p>
+          <a:p>
+            <a:endParaRPr lang="en-US" dirty="0"/>
+          </a:p>
+        </p:txBody>
+      </p:sp>
+      <p:sp>
+        <p:nvSpPr>
+          <p:cNvPr id="5" name="Slide Number Placeholder 4"/>
+          <p:cNvSpPr>
+            <a:spLocks noGrp="1"/>
+          </p:cNvSpPr>
+          <p:nvPr>
+            <p:ph type="sldNum" sz="quarter" idx="12"/>
+          </p:nvPr>
+        </p:nvSpPr>
+        <p:spPr/>
+        <p:txBody>
+          <a:bodyPr/>
+          <a:lstStyle/>
+          <a:p>
+            <a:fld id="{55966931-0045-43D2-B371-B6A3978A5C99}" type="slidenum">
+              <a:rPr lang="en-US" smtClean="0"/>
+              <a:t>16</a:t>
+            </a:fld>
+            <a:endParaRPr lang="en-US"/>
+          </a:p>
+        </p:txBody>
+      </p:sp>
+    </p:spTree>
+    <p:extLst>
+      <p:ext uri="{BB962C8B-B14F-4D97-AF65-F5344CB8AC3E}">
+        <p14:creationId xmlns:p14="http://schemas.microsoft.com/office/powerpoint/2010/main" val="2602813431"/>
+      </p:ext>
+    </p:extLst>
+  </p:cSld>
+  <p:clrMapOvr>
+    <a:masterClrMapping/>
+  </p:clrMapOvr>
+  <mc:AlternateContent xmlns:mc="http://schemas.openxmlformats.org/markup-compatibility/2006" xmlns:p14="http://schemas.microsoft.com/office/powerpoint/2010/main">
+    <mc:Choice Requires="p14">
+      <p:transition p14:dur="250">
+        <p:fade/>
+      </p:transition>
+    </mc:Choice>
+    <mc:Fallback xmlns="">
+      <p:transition>
+        <p:fade/>
+      </p:transition>
+    </mc:Fallback>
+  </mc:AlternateContent>
+  <p:timing>
+    <p:tnLst>
+      <p:par>
+        <p:cTn id="1" dur="indefinite" restart="never" nodeType="tmRoot"/>
+      </p:par>
+    </p:tnLst>
+  </p:timing>
+</p:sld>
+</file>
+
+<file path=ppt/slides/slide17.xml><?xml version="1.0" encoding="utf-8"?>
+<p:sld xmlns:a="http://schemas.openxmlformats.org/drawingml/2006/main" xmlns:r="http://schemas.openxmlformats.org/officeDocument/2006/relationships" xmlns:p="http://schemas.openxmlformats.org/presentationml/2006/main">
+  <p:cSld>
+    <p:spTree>
+      <p:nvGrpSpPr>
+        <p:cNvPr id="1" name=""/>
+        <p:cNvGrpSpPr/>
+        <p:nvPr/>
+      </p:nvGrpSpPr>
+      <p:grpSpPr>
+        <a:xfrm>
+          <a:off x="0" y="0"/>
+          <a:ext cx="0" cy="0"/>
+          <a:chOff x="0" y="0"/>
+          <a:chExt cx="0" cy="0"/>
+        </a:xfrm>
+      </p:grpSpPr>
+      <p:sp>
+        <p:nvSpPr>
+          <p:cNvPr id="2" name="Title 1"/>
+          <p:cNvSpPr>
+            <a:spLocks noGrp="1"/>
+          </p:cNvSpPr>
+          <p:nvPr>
+            <p:ph type="title"/>
+          </p:nvPr>
+        </p:nvSpPr>
+        <p:spPr>
+          <a:xfrm>
+            <a:off x="1484311" y="685801"/>
+            <a:ext cx="10018713" cy="985838"/>
+          </a:xfrm>
+        </p:spPr>
+        <p:txBody>
+          <a:bodyPr/>
+          <a:lstStyle/>
+          <a:p>
+            <a:r>
+              <a:rPr lang="en-US" dirty="0" smtClean="0"/>
               <a:t>Code conversion in C++</a:t>
             </a:r>
             <a:endParaRPr lang="en-US" dirty="0"/>
@@ -18127,15 +18261,7 @@
           <a:p>
             <a:r>
               <a:rPr lang="en-US" dirty="0" smtClean="0"/>
-              <a:t>Change </a:t>
-            </a:r>
-            <a:r>
-              <a:rPr lang="en-US" dirty="0" smtClean="0"/>
-              <a:t>development environment to </a:t>
-            </a:r>
-            <a:r>
-              <a:rPr lang="en-US" dirty="0" smtClean="0"/>
-              <a:t>Linux</a:t>
+              <a:t>Change development environment to Linux</a:t>
             </a:r>
           </a:p>
           <a:p>
@@ -18163,7 +18289,7 @@
           <a:p>
             <a:fld id="{55966931-0045-43D2-B371-B6A3978A5C99}" type="slidenum">
               <a:rPr lang="en-US" smtClean="0"/>
-              <a:t>16</a:t>
+              <a:t>17</a:t>
             </a:fld>
             <a:endParaRPr lang="en-US"/>
           </a:p>
@@ -18178,14 +18304,14 @@
           <p:nvPr>
             <p:extLst>
               <p:ext uri="{D42A27DB-BD31-4B8C-83A1-F6EECF244321}">
-                <p14:modId xmlns:p14="http://schemas.microsoft.com/office/powerpoint/2010/main" val="3575540811"/>
+                <p14:modId xmlns:p14="http://schemas.microsoft.com/office/powerpoint/2010/main" val="749234290"/>
               </p:ext>
             </p:extLst>
           </p:nvPr>
         </p:nvGraphicFramePr>
         <p:xfrm>
-          <a:off x="4882265" y="1371991"/>
-          <a:ext cx="6858000" cy="5391150"/>
+          <a:off x="4844955" y="1596365"/>
+          <a:ext cx="6786128" cy="5091502"/>
         </p:xfrm>
         <a:graphic>
           <a:graphicData uri="http://schemas.openxmlformats.org/drawingml/2006/chart">
@@ -18203,13 +18329,13 @@
   <p:clrMapOvr>
     <a:masterClrMapping/>
   </p:clrMapOvr>
-  <mc:AlternateContent xmlns:mc="http://schemas.openxmlformats.org/markup-compatibility/2006">
-    <mc:Choice xmlns:p14="http://schemas.microsoft.com/office/powerpoint/2010/main" Requires="p14">
+  <mc:AlternateContent xmlns:mc="http://schemas.openxmlformats.org/markup-compatibility/2006" xmlns:p14="http://schemas.microsoft.com/office/powerpoint/2010/main">
+    <mc:Choice Requires="p14">
       <p:transition p14:dur="250">
         <p:fade/>
       </p:transition>
     </mc:Choice>
-    <mc:Fallback>
+    <mc:Fallback xmlns="">
       <p:transition>
         <p:fade/>
       </p:transition>
@@ -18378,7 +18504,7 @@
 </p:sld>
 </file>
 
-<file path=ppt/slides/slide17.xml><?xml version="1.0" encoding="utf-8"?>
+<file path=ppt/slides/slide18.xml><?xml version="1.0" encoding="utf-8"?>
 <p:sld xmlns:a="http://schemas.openxmlformats.org/drawingml/2006/main" xmlns:r="http://schemas.openxmlformats.org/officeDocument/2006/relationships" xmlns:p="http://schemas.openxmlformats.org/presentationml/2006/main">
   <p:cSld>
     <p:spTree>
@@ -18458,7 +18584,15 @@
             <a:pPr lvl="1"/>
             <a:r>
               <a:rPr lang="en-US" dirty="0"/>
-              <a:t>fast middle class graphics card</a:t>
+              <a:t>F</a:t>
+            </a:r>
+            <a:r>
+              <a:rPr lang="en-US" dirty="0" smtClean="0"/>
+              <a:t>ast </a:t>
+            </a:r>
+            <a:r>
+              <a:rPr lang="en-US" dirty="0"/>
+              <a:t>middle class graphics card</a:t>
             </a:r>
             <a:endParaRPr lang="en-US" b="1" dirty="0" smtClean="0"/>
           </a:p>
@@ -18466,22 +18600,14 @@
             <a:pPr lvl="1"/>
             <a:r>
               <a:rPr lang="en-US" dirty="0" smtClean="0"/>
-              <a:t>256 </a:t>
-            </a:r>
+              <a:t>256 cores</a:t>
+            </a:r>
+          </a:p>
+          <a:p>
+            <a:pPr lvl="1"/>
             <a:r>
               <a:rPr lang="en-US" dirty="0" smtClean="0"/>
-              <a:t>cores</a:t>
-            </a:r>
-          </a:p>
-          <a:p>
-            <a:pPr lvl="1"/>
-            <a:r>
-              <a:rPr lang="en-US" dirty="0" smtClean="0"/>
-              <a:t>1GB </a:t>
-            </a:r>
-            <a:r>
-              <a:rPr lang="en-US" dirty="0" smtClean="0"/>
-              <a:t>memory</a:t>
+              <a:t>1GB memory</a:t>
             </a:r>
           </a:p>
           <a:p>
@@ -18542,7 +18668,7 @@
           <a:p>
             <a:fld id="{55966931-0045-43D2-B371-B6A3978A5C99}" type="slidenum">
               <a:rPr lang="en-US" smtClean="0"/>
-              <a:t>17</a:t>
+              <a:t>18</a:t>
             </a:fld>
             <a:endParaRPr lang="en-US"/>
           </a:p>
@@ -18621,275 +18747,13 @@
   <p:clrMapOvr>
     <a:masterClrMapping/>
   </p:clrMapOvr>
-  <mc:AlternateContent xmlns:mc="http://schemas.openxmlformats.org/markup-compatibility/2006">
-    <mc:Choice xmlns:p14="http://schemas.microsoft.com/office/powerpoint/2010/main" Requires="p14">
+  <mc:AlternateContent xmlns:mc="http://schemas.openxmlformats.org/markup-compatibility/2006" xmlns:p14="http://schemas.microsoft.com/office/powerpoint/2010/main">
+    <mc:Choice Requires="p14">
       <p:transition p14:dur="250">
         <p:fade/>
       </p:transition>
     </mc:Choice>
-    <mc:Fallback>
-      <p:transition>
-        <p:fade/>
-      </p:transition>
-    </mc:Fallback>
-  </mc:AlternateContent>
-  <p:timing>
-    <p:tnLst>
-      <p:par>
-        <p:cTn id="1" dur="indefinite" restart="never" nodeType="tmRoot"/>
-      </p:par>
-    </p:tnLst>
-  </p:timing>
-</p:sld>
-</file>
-
-<file path=ppt/slides/slide18.xml><?xml version="1.0" encoding="utf-8"?>
-<p:sld xmlns:a="http://schemas.openxmlformats.org/drawingml/2006/main" xmlns:r="http://schemas.openxmlformats.org/officeDocument/2006/relationships" xmlns:p="http://schemas.openxmlformats.org/presentationml/2006/main">
-  <p:cSld>
-    <p:spTree>
-      <p:nvGrpSpPr>
-        <p:cNvPr id="1" name=""/>
-        <p:cNvGrpSpPr/>
-        <p:nvPr/>
-      </p:nvGrpSpPr>
-      <p:grpSpPr>
-        <a:xfrm>
-          <a:off x="0" y="0"/>
-          <a:ext cx="0" cy="0"/>
-          <a:chOff x="0" y="0"/>
-          <a:chExt cx="0" cy="0"/>
-        </a:xfrm>
-      </p:grpSpPr>
-      <p:sp>
-        <p:nvSpPr>
-          <p:cNvPr id="2" name="Title 1"/>
-          <p:cNvSpPr>
-            <a:spLocks noGrp="1"/>
-          </p:cNvSpPr>
-          <p:nvPr>
-            <p:ph type="title"/>
-          </p:nvPr>
-        </p:nvSpPr>
-        <p:spPr>
-          <a:xfrm>
-            <a:off x="1484311" y="685801"/>
-            <a:ext cx="10018713" cy="971550"/>
-          </a:xfrm>
-        </p:spPr>
-        <p:txBody>
-          <a:bodyPr/>
-          <a:lstStyle/>
-          <a:p>
-            <a:r>
-              <a:rPr lang="en-US" dirty="0" smtClean="0"/>
-              <a:t>GPU Programming</a:t>
-            </a:r>
-            <a:endParaRPr lang="en-US" dirty="0"/>
-          </a:p>
-        </p:txBody>
-      </p:sp>
-      <p:sp>
-        <p:nvSpPr>
-          <p:cNvPr id="3" name="Content Placeholder 2"/>
-          <p:cNvSpPr>
-            <a:spLocks noGrp="1"/>
-          </p:cNvSpPr>
-          <p:nvPr>
-            <p:ph idx="1"/>
-          </p:nvPr>
-        </p:nvSpPr>
-        <p:spPr>
-          <a:xfrm>
-            <a:off x="1484311" y="1657351"/>
-            <a:ext cx="8759827" cy="4133849"/>
-          </a:xfrm>
-        </p:spPr>
-        <p:txBody>
-          <a:bodyPr anchor="t"/>
-          <a:lstStyle/>
-          <a:p>
-            <a:r>
-              <a:rPr lang="en-US" b="1" dirty="0" err="1" smtClean="0"/>
-              <a:t>OpenCL</a:t>
-            </a:r>
-            <a:r>
-              <a:rPr lang="en-US" b="1" dirty="0"/>
-              <a:t> </a:t>
-            </a:r>
-            <a:r>
-              <a:rPr lang="en-US" b="1" dirty="0" smtClean="0"/>
-              <a:t>(</a:t>
-            </a:r>
-            <a:r>
-              <a:rPr lang="en-US" dirty="0"/>
-              <a:t>Open Computing </a:t>
-            </a:r>
-            <a:r>
-              <a:rPr lang="en-US" dirty="0" smtClean="0"/>
-              <a:t>Language)</a:t>
-            </a:r>
-          </a:p>
-          <a:p>
-            <a:pPr lvl="1"/>
-            <a:r>
-              <a:rPr lang="en-US" dirty="0" smtClean="0"/>
-              <a:t>Open source</a:t>
-            </a:r>
-          </a:p>
-          <a:p>
-            <a:pPr lvl="1"/>
-            <a:r>
-              <a:rPr lang="en-US" dirty="0"/>
-              <a:t>framework for writing programs that </a:t>
-            </a:r>
-            <a:r>
-              <a:rPr lang="en-US" dirty="0" smtClean="0"/>
-              <a:t>execute across</a:t>
-            </a:r>
-            <a:r>
-              <a:rPr lang="en-US" dirty="0"/>
-              <a:t> </a:t>
-            </a:r>
-            <a:r>
-              <a:rPr lang="en-US" dirty="0"/>
-              <a:t> heterogeneous </a:t>
-            </a:r>
-            <a:r>
-              <a:rPr lang="en-US" dirty="0" smtClean="0"/>
-              <a:t>platforms</a:t>
-            </a:r>
-            <a:r>
-              <a:rPr lang="en-US" dirty="0"/>
-              <a:t> </a:t>
-            </a:r>
-            <a:r>
-              <a:rPr lang="en-US" dirty="0" smtClean="0"/>
-              <a:t>(CPUs, GPUs, FPGAs, DSPs)</a:t>
-            </a:r>
-          </a:p>
-          <a:p>
-            <a:pPr lvl="1"/>
-            <a:r>
-              <a:rPr lang="en-US" dirty="0"/>
-              <a:t>provides parallel computing using task-based and data-based </a:t>
-            </a:r>
-            <a:r>
-              <a:rPr lang="en-US" dirty="0" smtClean="0"/>
-              <a:t>parallelism</a:t>
-            </a:r>
-          </a:p>
-          <a:p>
-            <a:pPr lvl="1"/>
-            <a:r>
-              <a:rPr lang="en-US" dirty="0"/>
-              <a:t>give an application access to a graphics processing unit for non-graphical computing </a:t>
-            </a:r>
-            <a:endParaRPr lang="en-US" dirty="0" smtClean="0"/>
-          </a:p>
-          <a:p>
-            <a:pPr lvl="1"/>
-            <a:endParaRPr lang="en-US" dirty="0"/>
-          </a:p>
-        </p:txBody>
-      </p:sp>
-      <p:sp>
-        <p:nvSpPr>
-          <p:cNvPr id="5" name="Slide Number Placeholder 4"/>
-          <p:cNvSpPr>
-            <a:spLocks noGrp="1"/>
-          </p:cNvSpPr>
-          <p:nvPr>
-            <p:ph type="sldNum" sz="quarter" idx="12"/>
-          </p:nvPr>
-        </p:nvSpPr>
-        <p:spPr/>
-        <p:txBody>
-          <a:bodyPr/>
-          <a:lstStyle/>
-          <a:p>
-            <a:fld id="{55966931-0045-43D2-B371-B6A3978A5C99}" type="slidenum">
-              <a:rPr lang="en-US" smtClean="0"/>
-              <a:t>18</a:t>
-            </a:fld>
-            <a:endParaRPr lang="en-US"/>
-          </a:p>
-        </p:txBody>
-      </p:sp>
-      <p:sp>
-        <p:nvSpPr>
-          <p:cNvPr id="6" name="TextBox 5"/>
-          <p:cNvSpPr txBox="1"/>
-          <p:nvPr/>
-        </p:nvSpPr>
-        <p:spPr>
-          <a:xfrm>
-            <a:off x="2935467" y="6051786"/>
-            <a:ext cx="4508321" cy="369332"/>
-          </a:xfrm>
-          <a:prstGeom prst="rect">
-            <a:avLst/>
-          </a:prstGeom>
-          <a:noFill/>
-        </p:spPr>
-        <p:txBody>
-          <a:bodyPr wrap="square" rtlCol="0">
-            <a:spAutoFit/>
-          </a:bodyPr>
-          <a:lstStyle/>
-          <a:p>
-            <a:r>
-              <a:rPr lang="en-US" dirty="0"/>
-              <a:t>Source: https://www.khronos.org/opencl/</a:t>
-            </a:r>
-          </a:p>
-        </p:txBody>
-      </p:sp>
-      <p:pic>
-        <p:nvPicPr>
-          <p:cNvPr id="4" name="Picture 3"/>
-          <p:cNvPicPr>
-            <a:picLocks noChangeAspect="1"/>
-          </p:cNvPicPr>
-          <p:nvPr/>
-        </p:nvPicPr>
-        <p:blipFill rotWithShape="1">
-          <a:blip r:embed="rId2">
-            <a:extLst>
-              <a:ext uri="{28A0092B-C50C-407E-A947-70E740481C1C}">
-                <a14:useLocalDpi xmlns:a14="http://schemas.microsoft.com/office/drawing/2010/main" val="0"/>
-              </a:ext>
-            </a:extLst>
-          </a:blip>
-          <a:srcRect l="6750" t="8750" r="5500" b="5000"/>
-          <a:stretch/>
-        </p:blipFill>
-        <p:spPr>
-          <a:xfrm>
-            <a:off x="9709150" y="1657351"/>
-            <a:ext cx="1671638" cy="1643062"/>
-          </a:xfrm>
-          <a:prstGeom prst="rect">
-            <a:avLst/>
-          </a:prstGeom>
-        </p:spPr>
-      </p:pic>
-    </p:spTree>
-    <p:extLst>
-      <p:ext uri="{BB962C8B-B14F-4D97-AF65-F5344CB8AC3E}">
-        <p14:creationId xmlns:p14="http://schemas.microsoft.com/office/powerpoint/2010/main" val="2185321218"/>
-      </p:ext>
-    </p:extLst>
-  </p:cSld>
-  <p:clrMapOvr>
-    <a:masterClrMapping/>
-  </p:clrMapOvr>
-  <mc:AlternateContent xmlns:mc="http://schemas.openxmlformats.org/markup-compatibility/2006">
-    <mc:Choice xmlns:p14="http://schemas.microsoft.com/office/powerpoint/2010/main" Requires="p14">
-      <p:transition p14:dur="250">
-        <p:fade/>
-      </p:transition>
-    </mc:Choice>
-    <mc:Fallback>
+    <mc:Fallback xmlns="">
       <p:transition>
         <p:fade/>
       </p:transition>
@@ -18934,8 +18798,8 @@
         </p:nvSpPr>
         <p:spPr>
           <a:xfrm>
-            <a:off x="1484311" y="685800"/>
-            <a:ext cx="10018713" cy="942975"/>
+            <a:off x="1484311" y="685801"/>
+            <a:ext cx="10018713" cy="971550"/>
           </a:xfrm>
         </p:spPr>
         <p:txBody>
@@ -18944,7 +18808,7 @@
           <a:p>
             <a:r>
               <a:rPr lang="en-US" dirty="0" smtClean="0"/>
-              <a:t>Problems</a:t>
+              <a:t>GPU Programming</a:t>
             </a:r>
             <a:endParaRPr lang="en-US" dirty="0"/>
           </a:p>
@@ -18962,8 +18826,8 @@
         </p:nvSpPr>
         <p:spPr>
           <a:xfrm>
-            <a:off x="1484310" y="1914525"/>
-            <a:ext cx="10018713" cy="3762375"/>
+            <a:off x="1484311" y="1657351"/>
+            <a:ext cx="8759827" cy="4133849"/>
           </a:xfrm>
         </p:spPr>
         <p:txBody>
@@ -18971,49 +18835,97 @@
           <a:lstStyle/>
           <a:p>
             <a:r>
+              <a:rPr lang="en-US" b="1" dirty="0" err="1" smtClean="0"/>
+              <a:t>OpenCL</a:t>
+            </a:r>
+            <a:r>
+              <a:rPr lang="en-US" b="1" dirty="0"/>
+              <a:t> </a:t>
+            </a:r>
+            <a:r>
+              <a:rPr lang="en-US" b="1" dirty="0" smtClean="0"/>
+              <a:t>(</a:t>
+            </a:r>
+            <a:r>
+              <a:rPr lang="en-US" dirty="0"/>
+              <a:t>Open Computing </a:t>
+            </a:r>
+            <a:r>
               <a:rPr lang="en-US" dirty="0" smtClean="0"/>
-              <a:t>Read Delay</a:t>
-            </a:r>
-          </a:p>
-          <a:p>
+              <a:t>Language)</a:t>
+            </a:r>
+          </a:p>
+          <a:p>
+            <a:pPr lvl="1"/>
             <a:r>
               <a:rPr lang="en-US" dirty="0" smtClean="0"/>
-              <a:t>Kernel </a:t>
+              <a:t>Open source</a:t>
+            </a:r>
+          </a:p>
+          <a:p>
+            <a:pPr lvl="1"/>
+            <a:r>
+              <a:rPr lang="en-US" dirty="0"/>
+              <a:t>F</a:t>
             </a:r>
             <a:r>
               <a:rPr lang="en-US" dirty="0" smtClean="0"/>
-              <a:t>Synchronization</a:t>
-            </a:r>
-          </a:p>
-          <a:p>
+              <a:t>ramework</a:t>
+            </a:r>
+            <a:r>
+              <a:rPr lang="en-US" dirty="0"/>
+              <a:t> for writing programs that </a:t>
+            </a:r>
             <a:r>
               <a:rPr lang="en-US" dirty="0" smtClean="0"/>
-              <a:t>Solutions:</a:t>
+              <a:t>execute across</a:t>
+            </a:r>
+            <a:r>
+              <a:rPr lang="en-US" dirty="0"/>
+              <a:t>  heterogeneous </a:t>
+            </a:r>
+            <a:r>
+              <a:rPr lang="en-US" dirty="0" smtClean="0"/>
+              <a:t>platforms</a:t>
+            </a:r>
+            <a:r>
+              <a:rPr lang="en-US" dirty="0"/>
+              <a:t> </a:t>
+            </a:r>
+            <a:r>
+              <a:rPr lang="en-US" dirty="0" smtClean="0"/>
+              <a:t>(CPUs, GPUs, FPGAs, DSPs)</a:t>
             </a:r>
           </a:p>
           <a:p>
             <a:pPr lvl="1"/>
             <a:r>
               <a:rPr lang="en-US" dirty="0" smtClean="0"/>
-              <a:t>Increased snapshot intervals</a:t>
+              <a:t>Provides</a:t>
+            </a:r>
+            <a:r>
+              <a:rPr lang="en-US" dirty="0"/>
+              <a:t> parallel computing using task-based and data-based </a:t>
+            </a:r>
+            <a:r>
+              <a:rPr lang="en-US" dirty="0" smtClean="0"/>
+              <a:t>parallelism</a:t>
             </a:r>
           </a:p>
           <a:p>
             <a:pPr lvl="1"/>
             <a:r>
               <a:rPr lang="en-US" dirty="0" smtClean="0"/>
-              <a:t>Boundary conditions also moved into kernel</a:t>
-            </a:r>
+              <a:t>Give </a:t>
+            </a:r>
+            <a:r>
+              <a:rPr lang="en-US" dirty="0"/>
+              <a:t>an application access to a graphics processing unit for non-graphical computing </a:t>
+            </a:r>
+            <a:endParaRPr lang="en-US" dirty="0" smtClean="0"/>
           </a:p>
           <a:p>
             <a:pPr lvl="1"/>
-            <a:r>
-              <a:rPr lang="en-US" dirty="0" smtClean="0"/>
-              <a:t>Balancing the work load between kernels</a:t>
-            </a:r>
-            <a:endParaRPr lang="en-US" dirty="0"/>
-          </a:p>
-          <a:p>
             <a:endParaRPr lang="en-US" dirty="0"/>
           </a:p>
         </p:txBody>
@@ -19041,23 +18953,81 @@
           </a:p>
         </p:txBody>
       </p:sp>
+      <p:sp>
+        <p:nvSpPr>
+          <p:cNvPr id="6" name="TextBox 5"/>
+          <p:cNvSpPr txBox="1"/>
+          <p:nvPr/>
+        </p:nvSpPr>
+        <p:spPr>
+          <a:xfrm>
+            <a:off x="2935467" y="6051786"/>
+            <a:ext cx="4508321" cy="369332"/>
+          </a:xfrm>
+          <a:prstGeom prst="rect">
+            <a:avLst/>
+          </a:prstGeom>
+          <a:noFill/>
+        </p:spPr>
+        <p:txBody>
+          <a:bodyPr wrap="square" rtlCol="0">
+            <a:spAutoFit/>
+          </a:bodyPr>
+          <a:lstStyle/>
+          <a:p>
+            <a:r>
+              <a:rPr lang="en-US" dirty="0"/>
+              <a:t>Source: https://www.khronos.org/opencl/</a:t>
+            </a:r>
+          </a:p>
+        </p:txBody>
+      </p:sp>
+      <p:pic>
+        <p:nvPicPr>
+          <p:cNvPr id="4" name="Picture 3"/>
+          <p:cNvPicPr>
+            <a:picLocks noChangeAspect="1"/>
+          </p:cNvPicPr>
+          <p:nvPr/>
+        </p:nvPicPr>
+        <p:blipFill rotWithShape="1">
+          <a:blip r:embed="rId2">
+            <a:extLst>
+              <a:ext uri="{28A0092B-C50C-407E-A947-70E740481C1C}">
+                <a14:useLocalDpi xmlns:a14="http://schemas.microsoft.com/office/drawing/2010/main" val="0"/>
+              </a:ext>
+            </a:extLst>
+          </a:blip>
+          <a:srcRect l="6750" t="8750" r="5500" b="5000"/>
+          <a:stretch/>
+        </p:blipFill>
+        <p:spPr>
+          <a:xfrm>
+            <a:off x="9709150" y="1657351"/>
+            <a:ext cx="1671638" cy="1643062"/>
+          </a:xfrm>
+          <a:prstGeom prst="rect">
+            <a:avLst/>
+          </a:prstGeom>
+        </p:spPr>
+      </p:pic>
     </p:spTree>
     <p:extLst>
       <p:ext uri="{BB962C8B-B14F-4D97-AF65-F5344CB8AC3E}">
-        <p14:creationId xmlns:p14="http://schemas.microsoft.com/office/powerpoint/2010/main" val="904670803"/>
+        <p14:creationId xmlns:p14="http://schemas.microsoft.com/office/powerpoint/2010/main" val="2185321218"/>
       </p:ext>
     </p:extLst>
   </p:cSld>
   <p:clrMapOvr>
     <a:masterClrMapping/>
   </p:clrMapOvr>
-  <mc:AlternateContent xmlns:mc="http://schemas.openxmlformats.org/markup-compatibility/2006">
-    <mc:Choice xmlns:p14="http://schemas.microsoft.com/office/powerpoint/2010/main" Requires="p14">
+  <mc:AlternateContent xmlns:mc="http://schemas.openxmlformats.org/markup-compatibility/2006" xmlns:p14="http://schemas.microsoft.com/office/powerpoint/2010/main">
+    <mc:Choice Requires="p14">
       <p:transition p14:dur="250">
         <p:fade/>
       </p:transition>
     </mc:Choice>
-    <mc:Fallback>
+    <mc:Fallback xmlns="">
       <p:transition>
         <p:fade/>
       </p:transition>
@@ -19343,13 +19313,13 @@
   <p:clrMapOvr>
     <a:masterClrMapping/>
   </p:clrMapOvr>
-  <mc:AlternateContent xmlns:mc="http://schemas.openxmlformats.org/markup-compatibility/2006">
-    <mc:Choice xmlns:p14="http://schemas.microsoft.com/office/powerpoint/2010/main" Requires="p14">
+  <mc:AlternateContent xmlns:mc="http://schemas.openxmlformats.org/markup-compatibility/2006" xmlns:p14="http://schemas.microsoft.com/office/powerpoint/2010/main">
+    <mc:Choice Requires="p14">
       <p:transition p14:dur="250">
         <p:fade/>
       </p:transition>
     </mc:Choice>
-    <mc:Fallback>
+    <mc:Fallback xmlns="">
       <p:transition>
         <p:fade/>
       </p:transition>
@@ -19725,20 +19695,82 @@
         </p:nvSpPr>
         <p:spPr>
           <a:xfrm>
-            <a:off x="1484310" y="0"/>
-            <a:ext cx="10018713" cy="614597"/>
+            <a:off x="1484311" y="685800"/>
+            <a:ext cx="10018713" cy="942975"/>
           </a:xfrm>
         </p:spPr>
         <p:txBody>
-          <a:bodyPr>
-            <a:normAutofit fontScale="90000"/>
-          </a:bodyPr>
+          <a:bodyPr/>
           <a:lstStyle/>
           <a:p>
             <a:r>
               <a:rPr lang="en-US" dirty="0" smtClean="0"/>
-              <a:t>Performance Analysis</a:t>
-            </a:r>
+              <a:t>Problems</a:t>
+            </a:r>
+            <a:endParaRPr lang="en-US" dirty="0"/>
+          </a:p>
+        </p:txBody>
+      </p:sp>
+      <p:sp>
+        <p:nvSpPr>
+          <p:cNvPr id="3" name="Content Placeholder 2"/>
+          <p:cNvSpPr>
+            <a:spLocks noGrp="1"/>
+          </p:cNvSpPr>
+          <p:nvPr>
+            <p:ph idx="1"/>
+          </p:nvPr>
+        </p:nvSpPr>
+        <p:spPr>
+          <a:xfrm>
+            <a:off x="1484310" y="1914525"/>
+            <a:ext cx="10018713" cy="3762375"/>
+          </a:xfrm>
+        </p:spPr>
+        <p:txBody>
+          <a:bodyPr anchor="t"/>
+          <a:lstStyle/>
+          <a:p>
+            <a:r>
+              <a:rPr lang="en-US" dirty="0" smtClean="0"/>
+              <a:t>Read Delay</a:t>
+            </a:r>
+          </a:p>
+          <a:p>
+            <a:r>
+              <a:rPr lang="en-US" dirty="0" smtClean="0"/>
+              <a:t>Kernel Synchronization</a:t>
+            </a:r>
+          </a:p>
+          <a:p>
+            <a:r>
+              <a:rPr lang="en-US" dirty="0" smtClean="0"/>
+              <a:t>Solutions:</a:t>
+            </a:r>
+          </a:p>
+          <a:p>
+            <a:pPr lvl="1"/>
+            <a:r>
+              <a:rPr lang="en-US" dirty="0" smtClean="0"/>
+              <a:t>Increased snapshot intervals</a:t>
+            </a:r>
+          </a:p>
+          <a:p>
+            <a:pPr lvl="1"/>
+            <a:r>
+              <a:rPr lang="en-US" dirty="0" smtClean="0"/>
+              <a:t>Boundary conditions also moved into kernel</a:t>
+            </a:r>
+          </a:p>
+          <a:p>
+            <a:pPr lvl="1"/>
+            <a:r>
+              <a:rPr lang="en-US" dirty="0" smtClean="0"/>
+              <a:t>Balancing the work load between kernels</a:t>
+            </a:r>
+            <a:endParaRPr lang="en-US" dirty="0"/>
+          </a:p>
+          <a:p>
             <a:endParaRPr lang="en-US" dirty="0"/>
           </a:p>
         </p:txBody>
@@ -19766,48 +19798,23 @@
           </a:p>
         </p:txBody>
       </p:sp>
-      <p:graphicFrame>
-        <p:nvGraphicFramePr>
-          <p:cNvPr id="6" name="Content Placeholder 5"/>
-          <p:cNvGraphicFramePr>
-            <a:graphicFrameLocks noGrp="1"/>
-          </p:cNvGraphicFramePr>
-          <p:nvPr>
-            <p:ph idx="1"/>
-            <p:extLst>
-              <p:ext uri="{D42A27DB-BD31-4B8C-83A1-F6EECF244321}">
-                <p14:modId xmlns:p14="http://schemas.microsoft.com/office/powerpoint/2010/main" val="4271887235"/>
-              </p:ext>
-            </p:extLst>
-          </p:nvPr>
-        </p:nvGraphicFramePr>
-        <p:xfrm>
-          <a:off x="1484313" y="764498"/>
-          <a:ext cx="10018712" cy="5891135"/>
-        </p:xfrm>
-        <a:graphic>
-          <a:graphicData uri="http://schemas.openxmlformats.org/drawingml/2006/chart">
-            <c:chart xmlns:c="http://schemas.openxmlformats.org/drawingml/2006/chart" xmlns:r="http://schemas.openxmlformats.org/officeDocument/2006/relationships" r:id="rId3"/>
-          </a:graphicData>
-        </a:graphic>
-      </p:graphicFrame>
     </p:spTree>
     <p:extLst>
       <p:ext uri="{BB962C8B-B14F-4D97-AF65-F5344CB8AC3E}">
-        <p14:creationId xmlns:p14="http://schemas.microsoft.com/office/powerpoint/2010/main" val="1399192751"/>
+        <p14:creationId xmlns:p14="http://schemas.microsoft.com/office/powerpoint/2010/main" val="904670803"/>
       </p:ext>
     </p:extLst>
   </p:cSld>
   <p:clrMapOvr>
     <a:masterClrMapping/>
   </p:clrMapOvr>
-  <mc:AlternateContent xmlns:mc="http://schemas.openxmlformats.org/markup-compatibility/2006">
-    <mc:Choice xmlns:p14="http://schemas.microsoft.com/office/powerpoint/2010/main" Requires="p14">
+  <mc:AlternateContent xmlns:mc="http://schemas.openxmlformats.org/markup-compatibility/2006" xmlns:p14="http://schemas.microsoft.com/office/powerpoint/2010/main">
+    <mc:Choice Requires="p14">
       <p:transition p14:dur="250">
         <p:fade/>
       </p:transition>
     </mc:Choice>
-    <mc:Fallback>
+    <mc:Fallback xmlns="">
       <p:transition>
         <p:fade/>
       </p:transition>
@@ -19895,21 +19902,22 @@
       </p:sp>
       <p:graphicFrame>
         <p:nvGraphicFramePr>
-          <p:cNvPr id="7" name="Chart 6"/>
+          <p:cNvPr id="6" name="Content Placeholder 5"/>
           <p:cNvGraphicFramePr>
-            <a:graphicFrameLocks/>
+            <a:graphicFrameLocks noGrp="1"/>
           </p:cNvGraphicFramePr>
           <p:nvPr>
+            <p:ph idx="1"/>
             <p:extLst>
               <p:ext uri="{D42A27DB-BD31-4B8C-83A1-F6EECF244321}">
-                <p14:modId xmlns:p14="http://schemas.microsoft.com/office/powerpoint/2010/main" val="92614311"/>
+                <p14:modId xmlns:p14="http://schemas.microsoft.com/office/powerpoint/2010/main" val="4271887235"/>
               </p:ext>
             </p:extLst>
           </p:nvPr>
         </p:nvGraphicFramePr>
         <p:xfrm>
-          <a:off x="1484309" y="614597"/>
-          <a:ext cx="9608411" cy="5876144"/>
+          <a:off x="1484313" y="764498"/>
+          <a:ext cx="10018712" cy="5891135"/>
         </p:xfrm>
         <a:graphic>
           <a:graphicData uri="http://schemas.openxmlformats.org/drawingml/2006/chart">
@@ -19920,20 +19928,20 @@
     </p:spTree>
     <p:extLst>
       <p:ext uri="{BB962C8B-B14F-4D97-AF65-F5344CB8AC3E}">
-        <p14:creationId xmlns:p14="http://schemas.microsoft.com/office/powerpoint/2010/main" val="3515825495"/>
+        <p14:creationId xmlns:p14="http://schemas.microsoft.com/office/powerpoint/2010/main" val="1399192751"/>
       </p:ext>
     </p:extLst>
   </p:cSld>
   <p:clrMapOvr>
     <a:masterClrMapping/>
   </p:clrMapOvr>
-  <mc:AlternateContent xmlns:mc="http://schemas.openxmlformats.org/markup-compatibility/2006">
-    <mc:Choice xmlns:p14="http://schemas.microsoft.com/office/powerpoint/2010/main" Requires="p14">
+  <mc:AlternateContent xmlns:mc="http://schemas.openxmlformats.org/markup-compatibility/2006" xmlns:p14="http://schemas.microsoft.com/office/powerpoint/2010/main">
+    <mc:Choice Requires="p14">
       <p:transition p14:dur="250">
         <p:fade/>
       </p:transition>
     </mc:Choice>
-    <mc:Fallback>
+    <mc:Fallback xmlns="">
       <p:transition>
         <p:fade/>
       </p:transition>
@@ -20021,21 +20029,21 @@
       </p:sp>
       <p:graphicFrame>
         <p:nvGraphicFramePr>
-          <p:cNvPr id="6" name="Chart 5"/>
+          <p:cNvPr id="7" name="Chart 6"/>
           <p:cNvGraphicFramePr>
             <a:graphicFrameLocks/>
           </p:cNvGraphicFramePr>
           <p:nvPr>
             <p:extLst>
               <p:ext uri="{D42A27DB-BD31-4B8C-83A1-F6EECF244321}">
-                <p14:modId xmlns:p14="http://schemas.microsoft.com/office/powerpoint/2010/main" val="1284125211"/>
+                <p14:modId xmlns:p14="http://schemas.microsoft.com/office/powerpoint/2010/main" val="92614311"/>
               </p:ext>
             </p:extLst>
           </p:nvPr>
         </p:nvGraphicFramePr>
         <p:xfrm>
-          <a:off x="1872521" y="614597"/>
-          <a:ext cx="9329382" cy="5979410"/>
+          <a:off x="1484309" y="614597"/>
+          <a:ext cx="9608411" cy="5876144"/>
         </p:xfrm>
         <a:graphic>
           <a:graphicData uri="http://schemas.openxmlformats.org/drawingml/2006/chart">
@@ -20046,20 +20054,20 @@
     </p:spTree>
     <p:extLst>
       <p:ext uri="{BB962C8B-B14F-4D97-AF65-F5344CB8AC3E}">
-        <p14:creationId xmlns:p14="http://schemas.microsoft.com/office/powerpoint/2010/main" val="2886350479"/>
+        <p14:creationId xmlns:p14="http://schemas.microsoft.com/office/powerpoint/2010/main" val="3515825495"/>
       </p:ext>
     </p:extLst>
   </p:cSld>
   <p:clrMapOvr>
     <a:masterClrMapping/>
   </p:clrMapOvr>
-  <mc:AlternateContent xmlns:mc="http://schemas.openxmlformats.org/markup-compatibility/2006">
-    <mc:Choice xmlns:p14="http://schemas.microsoft.com/office/powerpoint/2010/main" Requires="p14">
+  <mc:AlternateContent xmlns:mc="http://schemas.openxmlformats.org/markup-compatibility/2006" xmlns:p14="http://schemas.microsoft.com/office/powerpoint/2010/main">
+    <mc:Choice Requires="p14">
       <p:transition p14:dur="250">
         <p:fade/>
       </p:transition>
     </mc:Choice>
-    <mc:Fallback>
+    <mc:Fallback xmlns="">
       <p:transition>
         <p:fade/>
       </p:transition>
@@ -20154,38 +20162,38 @@
           <p:nvPr>
             <p:extLst>
               <p:ext uri="{D42A27DB-BD31-4B8C-83A1-F6EECF244321}">
-                <p14:modId xmlns:p14="http://schemas.microsoft.com/office/powerpoint/2010/main" val="3331371571"/>
+                <p14:modId xmlns:p14="http://schemas.microsoft.com/office/powerpoint/2010/main" val="1284125211"/>
               </p:ext>
             </p:extLst>
           </p:nvPr>
         </p:nvGraphicFramePr>
         <p:xfrm>
-          <a:off x="1815152" y="733425"/>
-          <a:ext cx="9136704" cy="5708318"/>
+          <a:off x="1872521" y="614597"/>
+          <a:ext cx="9329382" cy="5979410"/>
         </p:xfrm>
         <a:graphic>
           <a:graphicData uri="http://schemas.openxmlformats.org/drawingml/2006/chart">
-            <c:chart xmlns:c="http://schemas.openxmlformats.org/drawingml/2006/chart" xmlns:r="http://schemas.openxmlformats.org/officeDocument/2006/relationships" r:id="rId2"/>
+            <c:chart xmlns:c="http://schemas.openxmlformats.org/drawingml/2006/chart" xmlns:r="http://schemas.openxmlformats.org/officeDocument/2006/relationships" r:id="rId3"/>
           </a:graphicData>
         </a:graphic>
       </p:graphicFrame>
     </p:spTree>
     <p:extLst>
       <p:ext uri="{BB962C8B-B14F-4D97-AF65-F5344CB8AC3E}">
-        <p14:creationId xmlns:p14="http://schemas.microsoft.com/office/powerpoint/2010/main" val="2383952644"/>
+        <p14:creationId xmlns:p14="http://schemas.microsoft.com/office/powerpoint/2010/main" val="2886350479"/>
       </p:ext>
     </p:extLst>
   </p:cSld>
   <p:clrMapOvr>
     <a:masterClrMapping/>
   </p:clrMapOvr>
-  <mc:AlternateContent xmlns:mc="http://schemas.openxmlformats.org/markup-compatibility/2006">
-    <mc:Choice xmlns:p14="http://schemas.microsoft.com/office/powerpoint/2010/main" Requires="p14">
+  <mc:AlternateContent xmlns:mc="http://schemas.openxmlformats.org/markup-compatibility/2006" xmlns:p14="http://schemas.microsoft.com/office/powerpoint/2010/main">
+    <mc:Choice Requires="p14">
       <p:transition p14:dur="250">
         <p:fade/>
       </p:transition>
     </mc:Choice>
-    <mc:Fallback>
+    <mc:Fallback xmlns="">
       <p:transition>
         <p:fade/>
       </p:transition>
@@ -20230,133 +20238,21 @@
         </p:nvSpPr>
         <p:spPr>
           <a:xfrm>
-            <a:off x="1484307" y="445958"/>
-            <a:ext cx="10018713" cy="993098"/>
+            <a:off x="1484310" y="0"/>
+            <a:ext cx="10018713" cy="614597"/>
           </a:xfrm>
         </p:spPr>
         <p:txBody>
-          <a:bodyPr/>
+          <a:bodyPr>
+            <a:normAutofit fontScale="90000"/>
+          </a:bodyPr>
           <a:lstStyle/>
           <a:p>
             <a:r>
               <a:rPr lang="en-US" dirty="0" smtClean="0"/>
-              <a:t>Platform Comparison</a:t>
+              <a:t>Performance Analysis</a:t>
             </a:r>
             <a:endParaRPr lang="en-US" dirty="0"/>
-          </a:p>
-        </p:txBody>
-      </p:sp>
-      <p:sp>
-        <p:nvSpPr>
-          <p:cNvPr id="3" name="Content Placeholder 2"/>
-          <p:cNvSpPr>
-            <a:spLocks noGrp="1"/>
-          </p:cNvSpPr>
-          <p:nvPr>
-            <p:ph idx="1"/>
-          </p:nvPr>
-        </p:nvSpPr>
-        <p:spPr>
-          <a:xfrm>
-            <a:off x="1484308" y="1783830"/>
-            <a:ext cx="10018713" cy="4651947"/>
-          </a:xfrm>
-        </p:spPr>
-        <p:txBody>
-          <a:bodyPr anchor="t"/>
-          <a:lstStyle/>
-          <a:p>
-            <a:r>
-              <a:rPr lang="en-US" dirty="0" smtClean="0"/>
-              <a:t>For big simulation size </a:t>
-            </a:r>
-            <a:r>
-              <a:rPr lang="en-US" dirty="0" smtClean="0"/>
-              <a:t>GPU is faster </a:t>
-            </a:r>
-          </a:p>
-          <a:p>
-            <a:pPr lvl="1"/>
-            <a:r>
-              <a:rPr lang="en-US" dirty="0" smtClean="0"/>
-              <a:t>Than MATLAB </a:t>
-            </a:r>
-            <a:r>
-              <a:rPr lang="en-US" dirty="0"/>
-              <a:t>by the factor </a:t>
-            </a:r>
-            <a:r>
-              <a:rPr lang="en-US" dirty="0" smtClean="0"/>
-              <a:t>of 20 (times)</a:t>
-            </a:r>
-          </a:p>
-          <a:p>
-            <a:pPr lvl="1"/>
-            <a:r>
-              <a:rPr lang="en-US" dirty="0"/>
-              <a:t>Than </a:t>
-            </a:r>
-            <a:r>
-              <a:rPr lang="en-US" dirty="0" smtClean="0"/>
-              <a:t>C++ (Windows) </a:t>
-            </a:r>
-            <a:r>
-              <a:rPr lang="en-US" dirty="0"/>
-              <a:t>by the factor of </a:t>
-            </a:r>
-            <a:r>
-              <a:rPr lang="en-US" dirty="0" smtClean="0"/>
-              <a:t>3 </a:t>
-            </a:r>
-            <a:r>
-              <a:rPr lang="en-US" dirty="0"/>
-              <a:t>(times</a:t>
-            </a:r>
-            <a:r>
-              <a:rPr lang="en-US" dirty="0" smtClean="0"/>
-              <a:t>)</a:t>
-            </a:r>
-          </a:p>
-          <a:p>
-            <a:pPr lvl="1"/>
-            <a:r>
-              <a:rPr lang="en-US" dirty="0"/>
-              <a:t>Than </a:t>
-            </a:r>
-            <a:r>
-              <a:rPr lang="en-US" dirty="0" smtClean="0"/>
-              <a:t>C++ (Linux) </a:t>
-            </a:r>
-            <a:r>
-              <a:rPr lang="en-US" dirty="0"/>
-              <a:t>by the factor of </a:t>
-            </a:r>
-            <a:r>
-              <a:rPr lang="en-US" dirty="0" smtClean="0"/>
-              <a:t>2 </a:t>
-            </a:r>
-            <a:r>
-              <a:rPr lang="en-US" dirty="0"/>
-              <a:t>(times</a:t>
-            </a:r>
-            <a:r>
-              <a:rPr lang="en-US" dirty="0" smtClean="0"/>
-              <a:t>)</a:t>
-            </a:r>
-          </a:p>
-          <a:p>
-            <a:r>
-              <a:rPr lang="en-US" dirty="0" smtClean="0"/>
-              <a:t>For simulation size of 2^14 or less </a:t>
-            </a:r>
-            <a:r>
-              <a:rPr lang="en-US" dirty="0" err="1" smtClean="0"/>
-              <a:t>c++</a:t>
-            </a:r>
-            <a:r>
-              <a:rPr lang="en-US" dirty="0" smtClean="0"/>
-              <a:t> is a better option than GPU</a:t>
-            </a:r>
           </a:p>
         </p:txBody>
       </p:sp>
@@ -20383,23 +20279,47 @@
           </a:p>
         </p:txBody>
       </p:sp>
+      <p:graphicFrame>
+        <p:nvGraphicFramePr>
+          <p:cNvPr id="6" name="Chart 5"/>
+          <p:cNvGraphicFramePr>
+            <a:graphicFrameLocks/>
+          </p:cNvGraphicFramePr>
+          <p:nvPr>
+            <p:extLst>
+              <p:ext uri="{D42A27DB-BD31-4B8C-83A1-F6EECF244321}">
+                <p14:modId xmlns:p14="http://schemas.microsoft.com/office/powerpoint/2010/main" val="3331371571"/>
+              </p:ext>
+            </p:extLst>
+          </p:nvPr>
+        </p:nvGraphicFramePr>
+        <p:xfrm>
+          <a:off x="1815152" y="733425"/>
+          <a:ext cx="9136704" cy="5708318"/>
+        </p:xfrm>
+        <a:graphic>
+          <a:graphicData uri="http://schemas.openxmlformats.org/drawingml/2006/chart">
+            <c:chart xmlns:c="http://schemas.openxmlformats.org/drawingml/2006/chart" xmlns:r="http://schemas.openxmlformats.org/officeDocument/2006/relationships" r:id="rId2"/>
+          </a:graphicData>
+        </a:graphic>
+      </p:graphicFrame>
     </p:spTree>
     <p:extLst>
       <p:ext uri="{BB962C8B-B14F-4D97-AF65-F5344CB8AC3E}">
-        <p14:creationId xmlns:p14="http://schemas.microsoft.com/office/powerpoint/2010/main" val="1656937440"/>
+        <p14:creationId xmlns:p14="http://schemas.microsoft.com/office/powerpoint/2010/main" val="2383952644"/>
       </p:ext>
     </p:extLst>
   </p:cSld>
   <p:clrMapOvr>
     <a:masterClrMapping/>
   </p:clrMapOvr>
-  <mc:AlternateContent xmlns:mc="http://schemas.openxmlformats.org/markup-compatibility/2006">
-    <mc:Choice xmlns:p14="http://schemas.microsoft.com/office/powerpoint/2010/main" Requires="p14">
+  <mc:AlternateContent xmlns:mc="http://schemas.openxmlformats.org/markup-compatibility/2006" xmlns:p14="http://schemas.microsoft.com/office/powerpoint/2010/main">
+    <mc:Choice Requires="p14">
       <p:transition p14:dur="250">
         <p:fade/>
       </p:transition>
     </mc:Choice>
-    <mc:Fallback>
+    <mc:Fallback xmlns="">
       <p:transition>
         <p:fade/>
       </p:transition>
@@ -20444,8 +20364,8 @@
         </p:nvSpPr>
         <p:spPr>
           <a:xfrm>
-            <a:off x="1208726" y="2994285"/>
-            <a:ext cx="10018713" cy="957263"/>
+            <a:off x="1484307" y="445958"/>
+            <a:ext cx="10018713" cy="993098"/>
           </a:xfrm>
         </p:spPr>
         <p:txBody>
@@ -20454,9 +20374,119 @@
           <a:p>
             <a:r>
               <a:rPr lang="en-US" dirty="0" smtClean="0"/>
-              <a:t>Thank You</a:t>
+              <a:t>Platform Comparison</a:t>
             </a:r>
             <a:endParaRPr lang="en-US" dirty="0"/>
+          </a:p>
+        </p:txBody>
+      </p:sp>
+      <p:sp>
+        <p:nvSpPr>
+          <p:cNvPr id="3" name="Content Placeholder 2"/>
+          <p:cNvSpPr>
+            <a:spLocks noGrp="1"/>
+          </p:cNvSpPr>
+          <p:nvPr>
+            <p:ph idx="1"/>
+          </p:nvPr>
+        </p:nvSpPr>
+        <p:spPr>
+          <a:xfrm>
+            <a:off x="1484308" y="1783830"/>
+            <a:ext cx="10018713" cy="4651947"/>
+          </a:xfrm>
+        </p:spPr>
+        <p:txBody>
+          <a:bodyPr anchor="t"/>
+          <a:lstStyle/>
+          <a:p>
+            <a:r>
+              <a:rPr lang="en-US" dirty="0" smtClean="0"/>
+              <a:t>For big simulation size GPU is faster </a:t>
+            </a:r>
+          </a:p>
+          <a:p>
+            <a:pPr lvl="1"/>
+            <a:r>
+              <a:rPr lang="en-US" dirty="0" smtClean="0"/>
+              <a:t>Than MATLAB </a:t>
+            </a:r>
+            <a:r>
+              <a:rPr lang="en-US" dirty="0"/>
+              <a:t>by the factor </a:t>
+            </a:r>
+            <a:r>
+              <a:rPr lang="en-US" dirty="0" smtClean="0"/>
+              <a:t>of 20 (times)</a:t>
+            </a:r>
+          </a:p>
+          <a:p>
+            <a:pPr lvl="1"/>
+            <a:r>
+              <a:rPr lang="en-US" dirty="0"/>
+              <a:t>Than </a:t>
+            </a:r>
+            <a:r>
+              <a:rPr lang="en-US" dirty="0" smtClean="0"/>
+              <a:t>C++ (Windows) </a:t>
+            </a:r>
+            <a:r>
+              <a:rPr lang="en-US" dirty="0"/>
+              <a:t>by the factor of </a:t>
+            </a:r>
+            <a:r>
+              <a:rPr lang="en-US" dirty="0" smtClean="0"/>
+              <a:t>3 </a:t>
+            </a:r>
+            <a:r>
+              <a:rPr lang="en-US" dirty="0"/>
+              <a:t>(times</a:t>
+            </a:r>
+            <a:r>
+              <a:rPr lang="en-US" dirty="0" smtClean="0"/>
+              <a:t>)</a:t>
+            </a:r>
+          </a:p>
+          <a:p>
+            <a:pPr lvl="1"/>
+            <a:r>
+              <a:rPr lang="en-US" dirty="0"/>
+              <a:t>Than </a:t>
+            </a:r>
+            <a:r>
+              <a:rPr lang="en-US" dirty="0" smtClean="0"/>
+              <a:t>C++ (Linux) </a:t>
+            </a:r>
+            <a:r>
+              <a:rPr lang="en-US" dirty="0"/>
+              <a:t>by the factor of </a:t>
+            </a:r>
+            <a:r>
+              <a:rPr lang="en-US" dirty="0" smtClean="0"/>
+              <a:t>2 </a:t>
+            </a:r>
+            <a:r>
+              <a:rPr lang="en-US" dirty="0"/>
+              <a:t>(times</a:t>
+            </a:r>
+            <a:r>
+              <a:rPr lang="en-US" dirty="0" smtClean="0"/>
+              <a:t>)</a:t>
+            </a:r>
+          </a:p>
+          <a:p>
+            <a:r>
+              <a:rPr lang="en-US" dirty="0" smtClean="0"/>
+              <a:t>For simulation size of 2^14 or less </a:t>
+            </a:r>
+            <a:r>
+              <a:rPr lang="en-US" dirty="0" err="1" smtClean="0"/>
+              <a:t>c++</a:t>
+            </a:r>
+            <a:r>
+              <a:rPr lang="en-US" dirty="0" smtClean="0"/>
+              <a:t> is a better option than GPU</a:t>
+            </a:r>
           </a:p>
         </p:txBody>
       </p:sp>
@@ -20486,20 +20516,20 @@
     </p:spTree>
     <p:extLst>
       <p:ext uri="{BB962C8B-B14F-4D97-AF65-F5344CB8AC3E}">
-        <p14:creationId xmlns:p14="http://schemas.microsoft.com/office/powerpoint/2010/main" val="827009672"/>
+        <p14:creationId xmlns:p14="http://schemas.microsoft.com/office/powerpoint/2010/main" val="1656937440"/>
       </p:ext>
     </p:extLst>
   </p:cSld>
   <p:clrMapOvr>
     <a:masterClrMapping/>
   </p:clrMapOvr>
-  <mc:AlternateContent xmlns:mc="http://schemas.openxmlformats.org/markup-compatibility/2006">
-    <mc:Choice xmlns:p14="http://schemas.microsoft.com/office/powerpoint/2010/main" Requires="p14">
+  <mc:AlternateContent xmlns:mc="http://schemas.openxmlformats.org/markup-compatibility/2006" xmlns:p14="http://schemas.microsoft.com/office/powerpoint/2010/main">
+    <mc:Choice Requires="p14">
       <p:transition p14:dur="250">
         <p:fade/>
       </p:transition>
     </mc:Choice>
-    <mc:Fallback>
+    <mc:Fallback xmlns="">
       <p:transition>
         <p:fade/>
       </p:transition>
@@ -20545,6 +20575,465 @@
         <p:spPr>
           <a:xfrm>
             <a:off x="1484311" y="685800"/>
+            <a:ext cx="10018713" cy="733567"/>
+          </a:xfrm>
+        </p:spPr>
+        <p:txBody>
+          <a:bodyPr/>
+          <a:lstStyle/>
+          <a:p>
+            <a:r>
+              <a:rPr lang="en-US" dirty="0" smtClean="0"/>
+              <a:t>References</a:t>
+            </a:r>
+            <a:endParaRPr lang="en-US" dirty="0"/>
+          </a:p>
+        </p:txBody>
+      </p:sp>
+      <p:sp>
+        <p:nvSpPr>
+          <p:cNvPr id="3" name="Content Placeholder 2"/>
+          <p:cNvSpPr>
+            <a:spLocks noGrp="1"/>
+          </p:cNvSpPr>
+          <p:nvPr>
+            <p:ph idx="1"/>
+          </p:nvPr>
+        </p:nvSpPr>
+        <p:spPr>
+          <a:xfrm>
+            <a:off x="1484310" y="1569493"/>
+            <a:ext cx="10018713" cy="4221707"/>
+          </a:xfrm>
+        </p:spPr>
+        <p:txBody>
+          <a:bodyPr anchor="t">
+            <a:normAutofit fontScale="92500" lnSpcReduction="10000"/>
+          </a:bodyPr>
+          <a:lstStyle/>
+          <a:p>
+            <a:r>
+              <a:rPr lang="en-US" dirty="0"/>
+              <a:t>[1] S. G. et al, </a:t>
+            </a:r>
+            <a:r>
+              <a:rPr lang="en-US" dirty="0" smtClean="0"/>
+              <a:t>“</a:t>
+            </a:r>
+            <a:r>
+              <a:rPr lang="en-US" dirty="0" err="1" smtClean="0"/>
+              <a:t>Metamaterials</a:t>
+            </a:r>
+            <a:r>
+              <a:rPr lang="en-US" dirty="0" smtClean="0"/>
+              <a:t> </a:t>
+            </a:r>
+            <a:r>
+              <a:rPr lang="en-US" dirty="0"/>
+              <a:t>and </a:t>
+            </a:r>
+            <a:r>
+              <a:rPr lang="en-US" dirty="0" err="1"/>
+              <a:t>fdtd</a:t>
+            </a:r>
+            <a:r>
+              <a:rPr lang="en-US" dirty="0"/>
+              <a:t> based numerical modeling studies," ELECO, </a:t>
+            </a:r>
+            <a:r>
+              <a:rPr lang="en-US" dirty="0" smtClean="0"/>
+              <a:t>Sep 2007</a:t>
+            </a:r>
+            <a:r>
+              <a:rPr lang="en-US" dirty="0"/>
+              <a:t>.</a:t>
+            </a:r>
+          </a:p>
+          <a:p>
+            <a:r>
+              <a:rPr lang="en-US" dirty="0"/>
+              <a:t>[2] J. B. Schneider, Understanding the Finite </a:t>
+            </a:r>
+            <a:r>
+              <a:rPr lang="en-US" dirty="0" err="1"/>
+              <a:t>Dierence</a:t>
+            </a:r>
+            <a:r>
+              <a:rPr lang="en-US" dirty="0"/>
+              <a:t> Time-Domain Method. </a:t>
+            </a:r>
+            <a:r>
+              <a:rPr lang="en-US" dirty="0" smtClean="0"/>
+              <a:t>www.eecs.wsu.edu</a:t>
+            </a:r>
+            <a:r>
+              <a:rPr lang="en-US" dirty="0"/>
+              <a:t>/~schneidj/ufdtd, 2010.</a:t>
+            </a:r>
+          </a:p>
+          <a:p>
+            <a:r>
+              <a:rPr lang="en-US" dirty="0"/>
+              <a:t>[3] Y. H. </a:t>
+            </a:r>
+            <a:r>
+              <a:rPr lang="en-US" dirty="0" err="1"/>
+              <a:t>Argyropoulos</a:t>
+            </a:r>
+            <a:r>
+              <a:rPr lang="en-US" dirty="0"/>
+              <a:t> C., Yan Zhao, </a:t>
+            </a:r>
+            <a:r>
+              <a:rPr lang="en-US" dirty="0" smtClean="0"/>
+              <a:t>“A </a:t>
+            </a:r>
+            <a:r>
+              <a:rPr lang="en-US" dirty="0"/>
+              <a:t>radially-dependent dispersive </a:t>
+            </a:r>
+            <a:r>
+              <a:rPr lang="en-US" dirty="0" smtClean="0"/>
+              <a:t>finite-</a:t>
+            </a:r>
+            <a:r>
+              <a:rPr lang="en-US" dirty="0" err="1" smtClean="0"/>
+              <a:t>dierence</a:t>
+            </a:r>
+            <a:r>
+              <a:rPr lang="en-US" dirty="0" smtClean="0"/>
+              <a:t> time-domain </a:t>
+            </a:r>
+            <a:r>
+              <a:rPr lang="en-US" dirty="0"/>
+              <a:t>method for the evaluation of electromagnetic cloaks," IEEE </a:t>
+            </a:r>
+            <a:r>
+              <a:rPr lang="en-US" dirty="0" smtClean="0"/>
+              <a:t>Transactions on </a:t>
+            </a:r>
+            <a:r>
+              <a:rPr lang="en-US" dirty="0"/>
+              <a:t>Antennas and Propagation, vol. 57, pp. 1432{1441, May 2009.</a:t>
+            </a:r>
+          </a:p>
+          <a:p>
+            <a:r>
+              <a:rPr lang="en-US" dirty="0"/>
+              <a:t>[4] R. W. </a:t>
+            </a:r>
+            <a:r>
+              <a:rPr lang="en-US" dirty="0" err="1"/>
+              <a:t>Ziolkowski</a:t>
+            </a:r>
+            <a:r>
+              <a:rPr lang="en-US" dirty="0"/>
+              <a:t> and E. </a:t>
+            </a:r>
+            <a:r>
+              <a:rPr lang="en-US" dirty="0" err="1"/>
+              <a:t>Heyman</a:t>
+            </a:r>
+            <a:r>
+              <a:rPr lang="en-US" dirty="0"/>
+              <a:t>, </a:t>
+            </a:r>
+            <a:r>
+              <a:rPr lang="en-US" dirty="0" smtClean="0"/>
+              <a:t>“Wave </a:t>
+            </a:r>
+            <a:r>
+              <a:rPr lang="en-US" dirty="0"/>
+              <a:t>propagation in media having negative </a:t>
+            </a:r>
+            <a:r>
+              <a:rPr lang="en-US" dirty="0" smtClean="0"/>
+              <a:t>permittivity </a:t>
+            </a:r>
+            <a:r>
+              <a:rPr lang="en-US" dirty="0"/>
+              <a:t>and permeability," Physical Review, vol. 64, October 2001</a:t>
+            </a:r>
+            <a:r>
+              <a:rPr lang="en-US" dirty="0" smtClean="0"/>
+              <a:t>.</a:t>
+            </a:r>
+          </a:p>
+          <a:p>
+            <a:r>
+              <a:rPr lang="en-US" dirty="0"/>
+              <a:t>[5] </a:t>
+            </a:r>
+            <a:r>
+              <a:rPr lang="en-US" dirty="0" err="1"/>
+              <a:t>Ryoji</a:t>
+            </a:r>
+            <a:r>
+              <a:rPr lang="en-US" dirty="0"/>
+              <a:t> </a:t>
+            </a:r>
+            <a:r>
+              <a:rPr lang="en-US" dirty="0" err="1"/>
+              <a:t>Tsuchiyama</a:t>
+            </a:r>
+            <a:r>
+              <a:rPr lang="en-US" dirty="0"/>
+              <a:t>, Takashi Nakamura, </a:t>
+            </a:r>
+            <a:r>
+              <a:rPr lang="en-US" dirty="0" err="1"/>
+              <a:t>Takuro</a:t>
+            </a:r>
+            <a:r>
+              <a:rPr lang="en-US" dirty="0"/>
+              <a:t> </a:t>
+            </a:r>
+            <a:r>
+              <a:rPr lang="en-US" dirty="0" err="1"/>
+              <a:t>Iizuka</a:t>
+            </a:r>
+            <a:r>
+              <a:rPr lang="en-US" dirty="0"/>
+              <a:t>, Akihiro </a:t>
+            </a:r>
+            <a:r>
+              <a:rPr lang="en-US" dirty="0" err="1"/>
+              <a:t>Asahara</a:t>
+            </a:r>
+            <a:r>
+              <a:rPr lang="en-US" dirty="0"/>
+              <a:t>, </a:t>
+            </a:r>
+            <a:r>
+              <a:rPr lang="en-US" dirty="0" err="1"/>
+              <a:t>Jeongdo</a:t>
+            </a:r>
+            <a:r>
+              <a:rPr lang="en-US" dirty="0"/>
+              <a:t> Son, Satoshi Miki, </a:t>
+            </a:r>
+            <a:r>
+              <a:rPr lang="en-US" u="sng" dirty="0"/>
+              <a:t>The </a:t>
+            </a:r>
+            <a:r>
+              <a:rPr lang="en-US" u="sng" dirty="0" err="1"/>
+              <a:t>OpenCL</a:t>
+            </a:r>
+            <a:r>
+              <a:rPr lang="en-US" u="sng" dirty="0"/>
+              <a:t> Programming Book</a:t>
+            </a:r>
+            <a:r>
+              <a:rPr lang="en-US" dirty="0"/>
+              <a:t>, </a:t>
+            </a:r>
+            <a:r>
+              <a:rPr lang="en-US" dirty="0" smtClean="0"/>
+              <a:t>1st </a:t>
+            </a:r>
+            <a:r>
+              <a:rPr lang="en-US" dirty="0"/>
+              <a:t>ed. , </a:t>
+            </a:r>
+            <a:r>
+              <a:rPr lang="en-US" dirty="0" err="1"/>
+              <a:t>Fixstars</a:t>
+            </a:r>
+            <a:r>
+              <a:rPr lang="en-US" dirty="0"/>
+              <a:t>, </a:t>
+            </a:r>
+            <a:r>
+              <a:rPr lang="en-US" dirty="0" smtClean="0"/>
+              <a:t>March 2010</a:t>
+            </a:r>
+            <a:r>
+              <a:rPr lang="en-US" dirty="0"/>
+              <a:t>.</a:t>
+            </a:r>
+            <a:endParaRPr lang="en-US" dirty="0"/>
+          </a:p>
+        </p:txBody>
+      </p:sp>
+      <p:sp>
+        <p:nvSpPr>
+          <p:cNvPr id="4" name="Slide Number Placeholder 3"/>
+          <p:cNvSpPr>
+            <a:spLocks noGrp="1"/>
+          </p:cNvSpPr>
+          <p:nvPr>
+            <p:ph type="sldNum" sz="quarter" idx="12"/>
+          </p:nvPr>
+        </p:nvSpPr>
+        <p:spPr/>
+        <p:txBody>
+          <a:bodyPr/>
+          <a:lstStyle/>
+          <a:p>
+            <a:fld id="{55966931-0045-43D2-B371-B6A3978A5C99}" type="slidenum">
+              <a:rPr lang="en-US" smtClean="0"/>
+              <a:t>26</a:t>
+            </a:fld>
+            <a:endParaRPr lang="en-US"/>
+          </a:p>
+        </p:txBody>
+      </p:sp>
+    </p:spTree>
+    <p:extLst>
+      <p:ext uri="{BB962C8B-B14F-4D97-AF65-F5344CB8AC3E}">
+        <p14:creationId xmlns:p14="http://schemas.microsoft.com/office/powerpoint/2010/main" val="559926725"/>
+      </p:ext>
+    </p:extLst>
+  </p:cSld>
+  <p:clrMapOvr>
+    <a:masterClrMapping/>
+  </p:clrMapOvr>
+  <mc:AlternateContent xmlns:mc="http://schemas.openxmlformats.org/markup-compatibility/2006">
+    <mc:Choice xmlns:p14="http://schemas.microsoft.com/office/powerpoint/2010/main" Requires="p14">
+      <p:transition p14:dur="250">
+        <p:fade/>
+      </p:transition>
+    </mc:Choice>
+    <mc:Fallback>
+      <p:transition>
+        <p:fade/>
+      </p:transition>
+    </mc:Fallback>
+  </mc:AlternateContent>
+</p:sld>
+</file>
+
+<file path=ppt/slides/slide27.xml><?xml version="1.0" encoding="utf-8"?>
+<p:sld xmlns:a="http://schemas.openxmlformats.org/drawingml/2006/main" xmlns:r="http://schemas.openxmlformats.org/officeDocument/2006/relationships" xmlns:p="http://schemas.openxmlformats.org/presentationml/2006/main">
+  <p:cSld>
+    <p:spTree>
+      <p:nvGrpSpPr>
+        <p:cNvPr id="1" name=""/>
+        <p:cNvGrpSpPr/>
+        <p:nvPr/>
+      </p:nvGrpSpPr>
+      <p:grpSpPr>
+        <a:xfrm>
+          <a:off x="0" y="0"/>
+          <a:ext cx="0" cy="0"/>
+          <a:chOff x="0" y="0"/>
+          <a:chExt cx="0" cy="0"/>
+        </a:xfrm>
+      </p:grpSpPr>
+      <p:sp>
+        <p:nvSpPr>
+          <p:cNvPr id="2" name="Title 1"/>
+          <p:cNvSpPr>
+            <a:spLocks noGrp="1"/>
+          </p:cNvSpPr>
+          <p:nvPr>
+            <p:ph type="title"/>
+          </p:nvPr>
+        </p:nvSpPr>
+        <p:spPr>
+          <a:xfrm>
+            <a:off x="1208726" y="2994285"/>
+            <a:ext cx="10018713" cy="957263"/>
+          </a:xfrm>
+        </p:spPr>
+        <p:txBody>
+          <a:bodyPr/>
+          <a:lstStyle/>
+          <a:p>
+            <a:r>
+              <a:rPr lang="en-US" dirty="0" smtClean="0"/>
+              <a:t>Thank You</a:t>
+            </a:r>
+            <a:endParaRPr lang="en-US" dirty="0"/>
+          </a:p>
+        </p:txBody>
+      </p:sp>
+      <p:sp>
+        <p:nvSpPr>
+          <p:cNvPr id="5" name="Slide Number Placeholder 4"/>
+          <p:cNvSpPr>
+            <a:spLocks noGrp="1"/>
+          </p:cNvSpPr>
+          <p:nvPr>
+            <p:ph type="sldNum" sz="quarter" idx="12"/>
+          </p:nvPr>
+        </p:nvSpPr>
+        <p:spPr/>
+        <p:txBody>
+          <a:bodyPr/>
+          <a:lstStyle/>
+          <a:p>
+            <a:fld id="{55966931-0045-43D2-B371-B6A3978A5C99}" type="slidenum">
+              <a:rPr lang="en-US" smtClean="0"/>
+              <a:t>27</a:t>
+            </a:fld>
+            <a:endParaRPr lang="en-US"/>
+          </a:p>
+        </p:txBody>
+      </p:sp>
+    </p:spTree>
+    <p:extLst>
+      <p:ext uri="{BB962C8B-B14F-4D97-AF65-F5344CB8AC3E}">
+        <p14:creationId xmlns:p14="http://schemas.microsoft.com/office/powerpoint/2010/main" val="827009672"/>
+      </p:ext>
+    </p:extLst>
+  </p:cSld>
+  <p:clrMapOvr>
+    <a:masterClrMapping/>
+  </p:clrMapOvr>
+  <mc:AlternateContent xmlns:mc="http://schemas.openxmlformats.org/markup-compatibility/2006" xmlns:p14="http://schemas.microsoft.com/office/powerpoint/2010/main">
+    <mc:Choice Requires="p14">
+      <p:transition p14:dur="250">
+        <p:fade/>
+      </p:transition>
+    </mc:Choice>
+    <mc:Fallback xmlns="">
+      <p:transition>
+        <p:fade/>
+      </p:transition>
+    </mc:Fallback>
+  </mc:AlternateContent>
+  <p:timing>
+    <p:tnLst>
+      <p:par>
+        <p:cTn id="1" dur="indefinite" restart="never" nodeType="tmRoot"/>
+      </p:par>
+    </p:tnLst>
+  </p:timing>
+</p:sld>
+</file>
+
+<file path=ppt/slides/slide28.xml><?xml version="1.0" encoding="utf-8"?>
+<p:sld xmlns:a="http://schemas.openxmlformats.org/drawingml/2006/main" xmlns:r="http://schemas.openxmlformats.org/officeDocument/2006/relationships" xmlns:p="http://schemas.openxmlformats.org/presentationml/2006/main">
+  <p:cSld>
+    <p:spTree>
+      <p:nvGrpSpPr>
+        <p:cNvPr id="1" name=""/>
+        <p:cNvGrpSpPr/>
+        <p:nvPr/>
+      </p:nvGrpSpPr>
+      <p:grpSpPr>
+        <a:xfrm>
+          <a:off x="0" y="0"/>
+          <a:ext cx="0" cy="0"/>
+          <a:chOff x="0" y="0"/>
+          <a:chExt cx="0" cy="0"/>
+        </a:xfrm>
+      </p:grpSpPr>
+      <p:sp>
+        <p:nvSpPr>
+          <p:cNvPr id="2" name="Title 1"/>
+          <p:cNvSpPr>
+            <a:spLocks noGrp="1"/>
+          </p:cNvSpPr>
+          <p:nvPr>
+            <p:ph type="title"/>
+          </p:nvPr>
+        </p:nvSpPr>
+        <p:spPr>
+          <a:xfrm>
+            <a:off x="1484311" y="685800"/>
             <a:ext cx="10018713" cy="714375"/>
           </a:xfrm>
         </p:spPr>
@@ -20606,7 +21095,7 @@
           <a:p>
             <a:fld id="{55966931-0045-43D2-B371-B6A3978A5C99}" type="slidenum">
               <a:rPr lang="en-US" smtClean="0"/>
-              <a:t>26</a:t>
+              <a:t>28</a:t>
             </a:fld>
             <a:endParaRPr lang="en-US"/>
           </a:p>
@@ -20694,7 +21183,6 @@
               <a:rPr lang="en-US" dirty="0"/>
               <a:t>any given phase of the wave (for example, the crest) will appear to travel at the phase velocity</a:t>
             </a:r>
-            <a:endParaRPr lang="en-US" dirty="0"/>
           </a:p>
         </p:txBody>
       </p:sp>
@@ -20748,7 +21236,6 @@
               <a:rPr lang="en-US" dirty="0"/>
               <a:t> of the wave — propagates through space</a:t>
             </a:r>
-            <a:endParaRPr lang="en-US" dirty="0"/>
           </a:p>
         </p:txBody>
       </p:sp>
@@ -20808,13 +21295,13 @@
   <p:clrMapOvr>
     <a:masterClrMapping/>
   </p:clrMapOvr>
-  <mc:AlternateContent xmlns:mc="http://schemas.openxmlformats.org/markup-compatibility/2006">
-    <mc:Choice xmlns:p14="http://schemas.microsoft.com/office/powerpoint/2010/main" Requires="p14">
+  <mc:AlternateContent xmlns:mc="http://schemas.openxmlformats.org/markup-compatibility/2006" xmlns:p14="http://schemas.microsoft.com/office/powerpoint/2010/main">
+    <mc:Choice Requires="p14">
       <p:transition p14:dur="250">
         <p:fade/>
       </p:transition>
     </mc:Choice>
-    <mc:Fallback>
+    <mc:Fallback xmlns="">
       <p:transition>
         <p:fade/>
       </p:transition>
@@ -20908,8 +21395,12 @@
           <a:p>
             <a:pPr marL="285750" lvl="1"/>
             <a:r>
+              <a:rPr lang="en-US" dirty="0" smtClean="0"/>
+              <a:t>When </a:t>
+            </a:r>
+            <a:r>
               <a:rPr lang="en-US" dirty="0"/>
-              <a:t>when a light enters from one medium to another </a:t>
+              <a:t>a light enters from one medium to another </a:t>
             </a:r>
             <a:r>
               <a:rPr lang="en-US" dirty="0" smtClean="0"/>
@@ -20934,8 +21425,12 @@
           <a:p>
             <a:pPr lvl="1"/>
             <a:r>
+              <a:rPr lang="en-US" dirty="0" smtClean="0"/>
+              <a:t>Split-ring </a:t>
+            </a:r>
+            <a:r>
               <a:rPr lang="en-US" dirty="0"/>
-              <a:t>split-ring resonator </a:t>
+              <a:t>resonator </a:t>
             </a:r>
             <a:r>
               <a:rPr lang="en-US" dirty="0" smtClean="0"/>
@@ -21162,13 +21657,13 @@
   <p:clrMapOvr>
     <a:masterClrMapping/>
   </p:clrMapOvr>
-  <mc:AlternateContent xmlns:mc="http://schemas.openxmlformats.org/markup-compatibility/2006">
-    <mc:Choice xmlns:p14="http://schemas.microsoft.com/office/powerpoint/2010/main" Requires="p14">
+  <mc:AlternateContent xmlns:mc="http://schemas.openxmlformats.org/markup-compatibility/2006" xmlns:p14="http://schemas.microsoft.com/office/powerpoint/2010/main">
+    <mc:Choice Requires="p14">
       <p:transition p14:dur="250">
         <p:fade/>
       </p:transition>
     </mc:Choice>
-    <mc:Fallback>
+    <mc:Fallback xmlns="">
       <p:transition>
         <p:fade/>
       </p:transition>
@@ -21845,13 +22340,13 @@
   <p:clrMapOvr>
     <a:masterClrMapping/>
   </p:clrMapOvr>
-  <mc:AlternateContent xmlns:mc="http://schemas.openxmlformats.org/markup-compatibility/2006">
-    <mc:Choice xmlns:p14="http://schemas.microsoft.com/office/powerpoint/2010/main" Requires="p14">
+  <mc:AlternateContent xmlns:mc="http://schemas.openxmlformats.org/markup-compatibility/2006" xmlns:p14="http://schemas.microsoft.com/office/powerpoint/2010/main">
+    <mc:Choice Requires="p14">
       <p:transition p14:dur="250">
         <p:fade/>
       </p:transition>
     </mc:Choice>
-    <mc:Fallback>
+    <mc:Fallback xmlns="">
       <p:transition>
         <p:fade/>
       </p:transition>
@@ -21868,6 +22363,165 @@
 </file>
 
 <file path=ppt/slides/slide5.xml><?xml version="1.0" encoding="utf-8"?>
+<p:sld xmlns:a="http://schemas.openxmlformats.org/drawingml/2006/main" xmlns:r="http://schemas.openxmlformats.org/officeDocument/2006/relationships" xmlns:p="http://schemas.openxmlformats.org/presentationml/2006/main">
+  <p:cSld>
+    <p:spTree>
+      <p:nvGrpSpPr>
+        <p:cNvPr id="1" name=""/>
+        <p:cNvGrpSpPr/>
+        <p:nvPr/>
+      </p:nvGrpSpPr>
+      <p:grpSpPr>
+        <a:xfrm>
+          <a:off x="0" y="0"/>
+          <a:ext cx="0" cy="0"/>
+          <a:chOff x="0" y="0"/>
+          <a:chExt cx="0" cy="0"/>
+        </a:xfrm>
+      </p:grpSpPr>
+      <p:sp>
+        <p:nvSpPr>
+          <p:cNvPr id="2" name="Title 1"/>
+          <p:cNvSpPr>
+            <a:spLocks noGrp="1"/>
+          </p:cNvSpPr>
+          <p:nvPr>
+            <p:ph type="title"/>
+          </p:nvPr>
+        </p:nvSpPr>
+        <p:spPr/>
+        <p:txBody>
+          <a:bodyPr/>
+          <a:lstStyle/>
+          <a:p>
+            <a:r>
+              <a:rPr lang="en-US" dirty="0" smtClean="0"/>
+              <a:t>Problem Statement</a:t>
+            </a:r>
+            <a:endParaRPr lang="en-US" dirty="0"/>
+          </a:p>
+        </p:txBody>
+      </p:sp>
+      <p:sp>
+        <p:nvSpPr>
+          <p:cNvPr id="3" name="Content Placeholder 2"/>
+          <p:cNvSpPr>
+            <a:spLocks noGrp="1"/>
+          </p:cNvSpPr>
+          <p:nvPr>
+            <p:ph idx="1"/>
+          </p:nvPr>
+        </p:nvSpPr>
+        <p:spPr/>
+        <p:txBody>
+          <a:bodyPr/>
+          <a:lstStyle/>
+          <a:p>
+            <a:r>
+              <a:rPr lang="en-US" dirty="0"/>
+              <a:t>model an </a:t>
+            </a:r>
+            <a:r>
+              <a:rPr lang="en-US" dirty="0" smtClean="0"/>
+              <a:t>NIM (slab) </a:t>
+            </a:r>
+            <a:r>
+              <a:rPr lang="en-US" dirty="0"/>
+              <a:t>using (frequency dependent dispersive) </a:t>
+            </a:r>
+            <a:r>
+              <a:rPr lang="en-US" dirty="0" err="1"/>
+              <a:t>drude</a:t>
+            </a:r>
+            <a:r>
+              <a:rPr lang="en-US" dirty="0"/>
+              <a:t> model that will effectively have refractive index of -1 (choosing </a:t>
+            </a:r>
+            <a:r>
+              <a:rPr lang="en-US" dirty="0" smtClean="0"/>
+              <a:t>µ</a:t>
+            </a:r>
+            <a:r>
+              <a:rPr lang="en-US" baseline="-25000" dirty="0" smtClean="0"/>
+              <a:t>r</a:t>
+            </a:r>
+            <a:r>
+              <a:rPr lang="en-US" dirty="0" smtClean="0"/>
+              <a:t> </a:t>
+            </a:r>
+            <a:r>
+              <a:rPr lang="en-US" dirty="0"/>
+              <a:t>and </a:t>
+            </a:r>
+            <a:r>
+              <a:rPr lang="az-Cyrl-AZ" dirty="0" smtClean="0"/>
+              <a:t>є</a:t>
+            </a:r>
+            <a:r>
+              <a:rPr lang="en-US" baseline="-25000" dirty="0" smtClean="0"/>
+              <a:t>r</a:t>
+            </a:r>
+            <a:r>
+              <a:rPr lang="en-US" dirty="0" smtClean="0"/>
+              <a:t> </a:t>
+            </a:r>
+            <a:r>
+              <a:rPr lang="en-US" dirty="0"/>
+              <a:t>= -1) at 3 GHz</a:t>
+            </a:r>
+            <a:endParaRPr lang="en-US" dirty="0"/>
+          </a:p>
+        </p:txBody>
+      </p:sp>
+      <p:sp>
+        <p:nvSpPr>
+          <p:cNvPr id="4" name="Slide Number Placeholder 3"/>
+          <p:cNvSpPr>
+            <a:spLocks noGrp="1"/>
+          </p:cNvSpPr>
+          <p:nvPr>
+            <p:ph type="sldNum" sz="quarter" idx="12"/>
+          </p:nvPr>
+        </p:nvSpPr>
+        <p:spPr/>
+        <p:txBody>
+          <a:bodyPr/>
+          <a:lstStyle/>
+          <a:p>
+            <a:fld id="{55966931-0045-43D2-B371-B6A3978A5C99}" type="slidenum">
+              <a:rPr lang="en-US" smtClean="0"/>
+              <a:t>5</a:t>
+            </a:fld>
+            <a:endParaRPr lang="en-US"/>
+          </a:p>
+        </p:txBody>
+      </p:sp>
+    </p:spTree>
+    <p:extLst>
+      <p:ext uri="{BB962C8B-B14F-4D97-AF65-F5344CB8AC3E}">
+        <p14:creationId xmlns:p14="http://schemas.microsoft.com/office/powerpoint/2010/main" val="1378167334"/>
+      </p:ext>
+    </p:extLst>
+  </p:cSld>
+  <p:clrMapOvr>
+    <a:masterClrMapping/>
+  </p:clrMapOvr>
+  <mc:AlternateContent xmlns:mc="http://schemas.openxmlformats.org/markup-compatibility/2006">
+    <mc:Choice xmlns:p14="http://schemas.microsoft.com/office/powerpoint/2010/main" Requires="p14">
+      <p:transition p14:dur="250">
+        <p:fade/>
+      </p:transition>
+    </mc:Choice>
+    <mc:Fallback>
+      <p:transition>
+        <p:fade/>
+      </p:transition>
+    </mc:Fallback>
+  </mc:AlternateContent>
+</p:sld>
+</file>
+
+<file path=ppt/slides/slide6.xml><?xml version="1.0" encoding="utf-8"?>
 <p:sld xmlns:a="http://schemas.openxmlformats.org/drawingml/2006/main" xmlns:r="http://schemas.openxmlformats.org/officeDocument/2006/relationships" xmlns:p="http://schemas.openxmlformats.org/presentationml/2006/main">
   <p:cSld>
     <p:spTree>
@@ -22168,7 +22822,7 @@
           <p:nvPr>
             <p:extLst>
               <p:ext uri="{D42A27DB-BD31-4B8C-83A1-F6EECF244321}">
-                <p14:modId xmlns:p14="http://schemas.microsoft.com/office/powerpoint/2010/main" val="729404762"/>
+                <p14:modId xmlns:p14="http://schemas.microsoft.com/office/powerpoint/2010/main" val="1778646075"/>
               </p:ext>
             </p:extLst>
           </p:nvPr>
@@ -22379,7 +23033,11 @@
                     <a:p>
                       <a:r>
                         <a:rPr lang="en-US" dirty="0" smtClean="0"/>
-                        <a:t>Performance analysis</a:t>
+                        <a:t>GPU</a:t>
+                      </a:r>
+                      <a:r>
+                        <a:rPr lang="en-US" baseline="0" dirty="0" smtClean="0"/>
+                        <a:t> programming </a:t>
                       </a:r>
                       <a:endParaRPr lang="en-US" dirty="0"/>
                     </a:p>
@@ -22440,13 +23098,8 @@
                       </a:pPr>
                       <a:r>
                         <a:rPr lang="en-US" dirty="0" smtClean="0"/>
-                        <a:t>GPU</a:t>
+                        <a:t>Performance analysis</a:t>
                       </a:r>
-                      <a:r>
-                        <a:rPr lang="en-US" baseline="0" dirty="0" smtClean="0"/>
-                        <a:t> programming </a:t>
-                      </a:r>
-                      <a:endParaRPr lang="en-US" dirty="0" smtClean="0"/>
                     </a:p>
                   </a:txBody>
                   <a:tcPr/>
@@ -22487,7 +23140,7 @@
           <a:p>
             <a:fld id="{55966931-0045-43D2-B371-B6A3978A5C99}" type="slidenum">
               <a:rPr lang="en-US" smtClean="0"/>
-              <a:t>5</a:t>
+              <a:t>6</a:t>
             </a:fld>
             <a:endParaRPr lang="en-US"/>
           </a:p>
@@ -22503,181 +23156,13 @@
   <p:clrMapOvr>
     <a:masterClrMapping/>
   </p:clrMapOvr>
-  <mc:AlternateContent xmlns:mc="http://schemas.openxmlformats.org/markup-compatibility/2006">
-    <mc:Choice xmlns:p14="http://schemas.microsoft.com/office/powerpoint/2010/main" Requires="p14">
+  <mc:AlternateContent xmlns:mc="http://schemas.openxmlformats.org/markup-compatibility/2006" xmlns:p14="http://schemas.microsoft.com/office/powerpoint/2010/main">
+    <mc:Choice Requires="p14">
       <p:transition p14:dur="250">
         <p:fade/>
       </p:transition>
     </mc:Choice>
-    <mc:Fallback>
-      <p:transition>
-        <p:fade/>
-      </p:transition>
-    </mc:Fallback>
-  </mc:AlternateContent>
-  <p:timing>
-    <p:tnLst>
-      <p:par>
-        <p:cTn id="1" dur="indefinite" restart="never" nodeType="tmRoot"/>
-      </p:par>
-    </p:tnLst>
-  </p:timing>
-</p:sld>
-</file>
-
-<file path=ppt/slides/slide6.xml><?xml version="1.0" encoding="utf-8"?>
-<p:sld xmlns:a="http://schemas.openxmlformats.org/drawingml/2006/main" xmlns:r="http://schemas.openxmlformats.org/officeDocument/2006/relationships" xmlns:p="http://schemas.openxmlformats.org/presentationml/2006/main">
-  <p:cSld>
-    <p:spTree>
-      <p:nvGrpSpPr>
-        <p:cNvPr id="1" name=""/>
-        <p:cNvGrpSpPr/>
-        <p:nvPr/>
-      </p:nvGrpSpPr>
-      <p:grpSpPr>
-        <a:xfrm>
-          <a:off x="0" y="0"/>
-          <a:ext cx="0" cy="0"/>
-          <a:chOff x="0" y="0"/>
-          <a:chExt cx="0" cy="0"/>
-        </a:xfrm>
-      </p:grpSpPr>
-      <p:sp>
-        <p:nvSpPr>
-          <p:cNvPr id="2" name="Title 1"/>
-          <p:cNvSpPr>
-            <a:spLocks noGrp="1"/>
-          </p:cNvSpPr>
-          <p:nvPr>
-            <p:ph type="title"/>
-          </p:nvPr>
-        </p:nvSpPr>
-        <p:spPr>
-          <a:xfrm>
-            <a:off x="1484311" y="685800"/>
-            <a:ext cx="10018713" cy="900113"/>
-          </a:xfrm>
-        </p:spPr>
-        <p:txBody>
-          <a:bodyPr/>
-          <a:lstStyle/>
-          <a:p>
-            <a:r>
-              <a:rPr lang="en-US" dirty="0" smtClean="0"/>
-              <a:t>Task 1: FDTD</a:t>
-            </a:r>
-            <a:endParaRPr lang="en-US" dirty="0"/>
-          </a:p>
-        </p:txBody>
-      </p:sp>
-      <p:sp>
-        <p:nvSpPr>
-          <p:cNvPr id="3" name="Content Placeholder 2"/>
-          <p:cNvSpPr>
-            <a:spLocks noGrp="1"/>
-          </p:cNvSpPr>
-          <p:nvPr>
-            <p:ph idx="1"/>
-          </p:nvPr>
-        </p:nvSpPr>
-        <p:spPr>
-          <a:xfrm>
-            <a:off x="1484311" y="1844406"/>
-            <a:ext cx="10018713" cy="4205287"/>
-          </a:xfrm>
-        </p:spPr>
-        <p:txBody>
-          <a:bodyPr anchor="t"/>
-          <a:lstStyle/>
-          <a:p>
-            <a:pPr algn="just"/>
-            <a:r>
-              <a:rPr lang="en-US" dirty="0"/>
-              <a:t>Finite-Difference Time-Domain (FDTD) is one of the most efficient techniques of differential time domain numerical modeling </a:t>
-            </a:r>
-            <a:r>
-              <a:rPr lang="en-US" dirty="0" smtClean="0"/>
-              <a:t>methods</a:t>
-            </a:r>
-            <a:endParaRPr lang="en-US" dirty="0"/>
-          </a:p>
-          <a:p>
-            <a:pPr lvl="1" algn="just"/>
-            <a:r>
-              <a:rPr lang="en-US" dirty="0"/>
-              <a:t>It solves the Maxwell’s differential equations in leap-frog manner (</a:t>
-            </a:r>
-            <a:r>
-              <a:rPr lang="en-US" dirty="0">
-                <a:solidFill>
-                  <a:schemeClr val="tx1">
-                    <a:lumMod val="85000"/>
-                    <a:lumOff val="15000"/>
-                  </a:schemeClr>
-                </a:solidFill>
-              </a:rPr>
-              <a:t>At a given time instant, first electric field and then magnetic field is solved</a:t>
-            </a:r>
-            <a:r>
-              <a:rPr lang="en-US" dirty="0" smtClean="0"/>
-              <a:t>)</a:t>
-            </a:r>
-            <a:endParaRPr lang="en-US" dirty="0"/>
-          </a:p>
-          <a:p>
-            <a:pPr lvl="1" algn="just"/>
-            <a:r>
-              <a:rPr lang="en-US" dirty="0"/>
-              <a:t>It is readily parallelizable on hardware like </a:t>
-            </a:r>
-            <a:r>
-              <a:rPr lang="en-US" dirty="0" smtClean="0"/>
-              <a:t>GPU</a:t>
-            </a:r>
-            <a:endParaRPr lang="en-US" dirty="0"/>
-          </a:p>
-        </p:txBody>
-      </p:sp>
-      <p:sp>
-        <p:nvSpPr>
-          <p:cNvPr id="5" name="Slide Number Placeholder 4"/>
-          <p:cNvSpPr>
-            <a:spLocks noGrp="1"/>
-          </p:cNvSpPr>
-          <p:nvPr>
-            <p:ph type="sldNum" sz="quarter" idx="12"/>
-          </p:nvPr>
-        </p:nvSpPr>
-        <p:spPr/>
-        <p:txBody>
-          <a:bodyPr/>
-          <a:lstStyle/>
-          <a:p>
-            <a:fld id="{55966931-0045-43D2-B371-B6A3978A5C99}" type="slidenum">
-              <a:rPr lang="en-US" smtClean="0"/>
-              <a:t>6</a:t>
-            </a:fld>
-            <a:endParaRPr lang="en-US"/>
-          </a:p>
-        </p:txBody>
-      </p:sp>
-    </p:spTree>
-    <p:extLst>
-      <p:ext uri="{BB962C8B-B14F-4D97-AF65-F5344CB8AC3E}">
-        <p14:creationId xmlns:p14="http://schemas.microsoft.com/office/powerpoint/2010/main" val="2039692627"/>
-      </p:ext>
-    </p:extLst>
-  </p:cSld>
-  <p:clrMapOvr>
-    <a:masterClrMapping/>
-  </p:clrMapOvr>
-  <mc:AlternateContent xmlns:mc="http://schemas.openxmlformats.org/markup-compatibility/2006">
-    <mc:Choice xmlns:p14="http://schemas.microsoft.com/office/powerpoint/2010/main" Requires="p14">
-      <p:transition p14:dur="250">
-        <p:fade/>
-      </p:transition>
-    </mc:Choice>
-    <mc:Fallback>
+    <mc:Fallback xmlns="">
       <p:transition>
         <p:fade/>
       </p:transition>
@@ -22731,9 +23216,178 @@
           <a:lstStyle/>
           <a:p>
             <a:r>
+              <a:rPr lang="en-US" dirty="0" smtClean="0"/>
+              <a:t>FDTD</a:t>
+            </a:r>
+            <a:endParaRPr lang="en-US" dirty="0"/>
+          </a:p>
+        </p:txBody>
+      </p:sp>
+      <p:sp>
+        <p:nvSpPr>
+          <p:cNvPr id="3" name="Content Placeholder 2"/>
+          <p:cNvSpPr>
+            <a:spLocks noGrp="1"/>
+          </p:cNvSpPr>
+          <p:nvPr>
+            <p:ph idx="1"/>
+          </p:nvPr>
+        </p:nvSpPr>
+        <p:spPr>
+          <a:xfrm>
+            <a:off x="1484311" y="1844406"/>
+            <a:ext cx="10018713" cy="4205287"/>
+          </a:xfrm>
+        </p:spPr>
+        <p:txBody>
+          <a:bodyPr anchor="t"/>
+          <a:lstStyle/>
+          <a:p>
+            <a:pPr algn="just"/>
+            <a:r>
               <a:rPr lang="en-US" dirty="0"/>
-              <a:t>Task 1: FDTD</a:t>
-            </a:r>
+              <a:t>Finite-Difference Time-Domain (FDTD) is one of the most efficient techniques of differential time domain numerical modeling </a:t>
+            </a:r>
+            <a:r>
+              <a:rPr lang="en-US" dirty="0" smtClean="0"/>
+              <a:t>methods</a:t>
+            </a:r>
+            <a:endParaRPr lang="en-US" dirty="0"/>
+          </a:p>
+          <a:p>
+            <a:pPr lvl="1" algn="just"/>
+            <a:r>
+              <a:rPr lang="en-US" dirty="0"/>
+              <a:t>It solves the Maxwell’s differential equations in leap-frog manner (</a:t>
+            </a:r>
+            <a:r>
+              <a:rPr lang="en-US" dirty="0">
+                <a:solidFill>
+                  <a:schemeClr val="tx1">
+                    <a:lumMod val="85000"/>
+                    <a:lumOff val="15000"/>
+                  </a:schemeClr>
+                </a:solidFill>
+              </a:rPr>
+              <a:t>At a given time instant, first electric field and then magnetic field is solved</a:t>
+            </a:r>
+            <a:r>
+              <a:rPr lang="en-US" dirty="0" smtClean="0"/>
+              <a:t>)</a:t>
+            </a:r>
+            <a:endParaRPr lang="en-US" dirty="0"/>
+          </a:p>
+          <a:p>
+            <a:pPr lvl="1" algn="just"/>
+            <a:r>
+              <a:rPr lang="en-US" dirty="0"/>
+              <a:t>It is readily parallelizable on hardware like </a:t>
+            </a:r>
+            <a:r>
+              <a:rPr lang="en-US" dirty="0" smtClean="0"/>
+              <a:t>GPU</a:t>
+            </a:r>
+            <a:endParaRPr lang="en-US" dirty="0"/>
+          </a:p>
+        </p:txBody>
+      </p:sp>
+      <p:sp>
+        <p:nvSpPr>
+          <p:cNvPr id="5" name="Slide Number Placeholder 4"/>
+          <p:cNvSpPr>
+            <a:spLocks noGrp="1"/>
+          </p:cNvSpPr>
+          <p:nvPr>
+            <p:ph type="sldNum" sz="quarter" idx="12"/>
+          </p:nvPr>
+        </p:nvSpPr>
+        <p:spPr/>
+        <p:txBody>
+          <a:bodyPr/>
+          <a:lstStyle/>
+          <a:p>
+            <a:fld id="{55966931-0045-43D2-B371-B6A3978A5C99}" type="slidenum">
+              <a:rPr lang="en-US" smtClean="0"/>
+              <a:t>7</a:t>
+            </a:fld>
+            <a:endParaRPr lang="en-US"/>
+          </a:p>
+        </p:txBody>
+      </p:sp>
+    </p:spTree>
+    <p:extLst>
+      <p:ext uri="{BB962C8B-B14F-4D97-AF65-F5344CB8AC3E}">
+        <p14:creationId xmlns:p14="http://schemas.microsoft.com/office/powerpoint/2010/main" val="2039692627"/>
+      </p:ext>
+    </p:extLst>
+  </p:cSld>
+  <p:clrMapOvr>
+    <a:masterClrMapping/>
+  </p:clrMapOvr>
+  <mc:AlternateContent xmlns:mc="http://schemas.openxmlformats.org/markup-compatibility/2006" xmlns:p14="http://schemas.microsoft.com/office/powerpoint/2010/main">
+    <mc:Choice Requires="p14">
+      <p:transition p14:dur="250">
+        <p:fade/>
+      </p:transition>
+    </mc:Choice>
+    <mc:Fallback xmlns="">
+      <p:transition>
+        <p:fade/>
+      </p:transition>
+    </mc:Fallback>
+  </mc:AlternateContent>
+  <p:timing>
+    <p:tnLst>
+      <p:par>
+        <p:cTn id="1" dur="indefinite" restart="never" nodeType="tmRoot"/>
+      </p:par>
+    </p:tnLst>
+  </p:timing>
+</p:sld>
+</file>
+
+<file path=ppt/slides/slide8.xml><?xml version="1.0" encoding="utf-8"?>
+<p:sld xmlns:a="http://schemas.openxmlformats.org/drawingml/2006/main" xmlns:r="http://schemas.openxmlformats.org/officeDocument/2006/relationships" xmlns:p="http://schemas.openxmlformats.org/presentationml/2006/main">
+  <p:cSld>
+    <p:spTree>
+      <p:nvGrpSpPr>
+        <p:cNvPr id="1" name=""/>
+        <p:cNvGrpSpPr/>
+        <p:nvPr/>
+      </p:nvGrpSpPr>
+      <p:grpSpPr>
+        <a:xfrm>
+          <a:off x="0" y="0"/>
+          <a:ext cx="0" cy="0"/>
+          <a:chOff x="0" y="0"/>
+          <a:chExt cx="0" cy="0"/>
+        </a:xfrm>
+      </p:grpSpPr>
+      <p:sp>
+        <p:nvSpPr>
+          <p:cNvPr id="2" name="Title 1"/>
+          <p:cNvSpPr>
+            <a:spLocks noGrp="1"/>
+          </p:cNvSpPr>
+          <p:nvPr>
+            <p:ph type="title"/>
+          </p:nvPr>
+        </p:nvSpPr>
+        <p:spPr>
+          <a:xfrm>
+            <a:off x="1484311" y="685800"/>
+            <a:ext cx="10018713" cy="900113"/>
+          </a:xfrm>
+        </p:spPr>
+        <p:txBody>
+          <a:bodyPr/>
+          <a:lstStyle/>
+          <a:p>
+            <a:r>
+              <a:rPr lang="en-US" dirty="0" smtClean="0"/>
+              <a:t>FDTD</a:t>
+            </a:r>
+            <a:endParaRPr lang="en-US" dirty="0"/>
           </a:p>
         </p:txBody>
       </p:sp>
@@ -22784,7 +23438,7 @@
           <a:p>
             <a:fld id="{55966931-0045-43D2-B371-B6A3978A5C99}" type="slidenum">
               <a:rPr lang="en-US" smtClean="0"/>
-              <a:t>7</a:t>
+              <a:t>8</a:t>
             </a:fld>
             <a:endParaRPr lang="en-US"/>
           </a:p>
@@ -22800,188 +23454,13 @@
   <p:clrMapOvr>
     <a:masterClrMapping/>
   </p:clrMapOvr>
-  <mc:AlternateContent xmlns:mc="http://schemas.openxmlformats.org/markup-compatibility/2006">
-    <mc:Choice xmlns:p14="http://schemas.microsoft.com/office/powerpoint/2010/main" Requires="p14">
+  <mc:AlternateContent xmlns:mc="http://schemas.openxmlformats.org/markup-compatibility/2006" xmlns:p14="http://schemas.microsoft.com/office/powerpoint/2010/main">
+    <mc:Choice Requires="p14">
       <p:transition p14:dur="250">
         <p:fade/>
       </p:transition>
     </mc:Choice>
-    <mc:Fallback>
-      <p:transition>
-        <p:fade/>
-      </p:transition>
-    </mc:Fallback>
-  </mc:AlternateContent>
-  <p:timing>
-    <p:tnLst>
-      <p:par>
-        <p:cTn id="1" dur="indefinite" restart="never" nodeType="tmRoot"/>
-      </p:par>
-    </p:tnLst>
-  </p:timing>
-</p:sld>
-</file>
-
-<file path=ppt/slides/slide8.xml><?xml version="1.0" encoding="utf-8"?>
-<p:sld xmlns:a="http://schemas.openxmlformats.org/drawingml/2006/main" xmlns:r="http://schemas.openxmlformats.org/officeDocument/2006/relationships" xmlns:p="http://schemas.openxmlformats.org/presentationml/2006/main">
-  <p:cSld>
-    <p:spTree>
-      <p:nvGrpSpPr>
-        <p:cNvPr id="1" name=""/>
-        <p:cNvGrpSpPr/>
-        <p:nvPr/>
-      </p:nvGrpSpPr>
-      <p:grpSpPr>
-        <a:xfrm>
-          <a:off x="0" y="0"/>
-          <a:ext cx="0" cy="0"/>
-          <a:chOff x="0" y="0"/>
-          <a:chExt cx="0" cy="0"/>
-        </a:xfrm>
-      </p:grpSpPr>
-      <p:sp>
-        <p:nvSpPr>
-          <p:cNvPr id="2" name="Title 1"/>
-          <p:cNvSpPr>
-            <a:spLocks noGrp="1"/>
-          </p:cNvSpPr>
-          <p:nvPr>
-            <p:ph type="title"/>
-          </p:nvPr>
-        </p:nvSpPr>
-        <p:spPr>
-          <a:xfrm>
-            <a:off x="1484311" y="685801"/>
-            <a:ext cx="10018713" cy="1028700"/>
-          </a:xfrm>
-        </p:spPr>
-        <p:txBody>
-          <a:bodyPr/>
-          <a:lstStyle/>
-          <a:p>
-            <a:r>
-              <a:rPr lang="en-US" dirty="0" smtClean="0"/>
-              <a:t>Results</a:t>
-            </a:r>
-            <a:endParaRPr lang="en-US" dirty="0"/>
-          </a:p>
-        </p:txBody>
-      </p:sp>
-      <p:sp>
-        <p:nvSpPr>
-          <p:cNvPr id="3" name="Content Placeholder 2"/>
-          <p:cNvSpPr>
-            <a:spLocks noGrp="1"/>
-          </p:cNvSpPr>
-          <p:nvPr>
-            <p:ph idx="1"/>
-          </p:nvPr>
-        </p:nvSpPr>
-        <p:spPr>
-          <a:xfrm>
-            <a:off x="1484311" y="2085975"/>
-            <a:ext cx="3344863" cy="3781155"/>
-          </a:xfrm>
-        </p:spPr>
-        <p:txBody>
-          <a:bodyPr anchor="t"/>
-          <a:lstStyle/>
-          <a:p>
-            <a:r>
-              <a:rPr lang="en-US" dirty="0" smtClean="0"/>
-              <a:t>Stable Simulation with correct output</a:t>
-            </a:r>
-          </a:p>
-          <a:p>
-            <a:r>
-              <a:rPr lang="en-US" dirty="0" smtClean="0"/>
-              <a:t>Sources</a:t>
-            </a:r>
-          </a:p>
-          <a:p>
-            <a:pPr lvl="1"/>
-            <a:r>
-              <a:rPr lang="en-US" dirty="0" err="1" smtClean="0"/>
-              <a:t>Guassian</a:t>
-            </a:r>
-            <a:endParaRPr lang="en-US" dirty="0" smtClean="0"/>
-          </a:p>
-          <a:p>
-            <a:pPr lvl="1"/>
-            <a:r>
-              <a:rPr lang="en-US" dirty="0" smtClean="0"/>
-              <a:t>3GHz Sine </a:t>
-            </a:r>
-            <a:endParaRPr lang="en-US" dirty="0"/>
-          </a:p>
-        </p:txBody>
-      </p:sp>
-      <p:pic>
-        <p:nvPicPr>
-          <p:cNvPr id="6" name="Picture 2" descr="C:\Users\Hina\Desktop\New folder\1.PNG"/>
-          <p:cNvPicPr>
-            <a:picLocks noChangeAspect="1" noChangeArrowheads="1"/>
-          </p:cNvPicPr>
-          <p:nvPr/>
-        </p:nvPicPr>
-        <p:blipFill>
-          <a:blip r:embed="rId2"/>
-          <a:srcRect t="16999" b="3160"/>
-          <a:stretch>
-            <a:fillRect/>
-          </a:stretch>
-        </p:blipFill>
-        <p:spPr bwMode="auto">
-          <a:xfrm>
-            <a:off x="4829175" y="2057130"/>
-            <a:ext cx="6673847" cy="3810000"/>
-          </a:xfrm>
-          <a:prstGeom prst="rect">
-            <a:avLst/>
-          </a:prstGeom>
-          <a:noFill/>
-        </p:spPr>
-      </p:pic>
-      <p:sp>
-        <p:nvSpPr>
-          <p:cNvPr id="5" name="Slide Number Placeholder 4"/>
-          <p:cNvSpPr>
-            <a:spLocks noGrp="1"/>
-          </p:cNvSpPr>
-          <p:nvPr>
-            <p:ph type="sldNum" sz="quarter" idx="12"/>
-          </p:nvPr>
-        </p:nvSpPr>
-        <p:spPr/>
-        <p:txBody>
-          <a:bodyPr/>
-          <a:lstStyle/>
-          <a:p>
-            <a:fld id="{55966931-0045-43D2-B371-B6A3978A5C99}" type="slidenum">
-              <a:rPr lang="en-US" smtClean="0"/>
-              <a:t>8</a:t>
-            </a:fld>
-            <a:endParaRPr lang="en-US"/>
-          </a:p>
-        </p:txBody>
-      </p:sp>
-    </p:spTree>
-    <p:extLst>
-      <p:ext uri="{BB962C8B-B14F-4D97-AF65-F5344CB8AC3E}">
-        <p14:creationId xmlns:p14="http://schemas.microsoft.com/office/powerpoint/2010/main" val="2763720885"/>
-      </p:ext>
-    </p:extLst>
-  </p:cSld>
-  <p:clrMapOvr>
-    <a:masterClrMapping/>
-  </p:clrMapOvr>
-  <mc:AlternateContent xmlns:mc="http://schemas.openxmlformats.org/markup-compatibility/2006">
-    <mc:Choice xmlns:p14="http://schemas.microsoft.com/office/powerpoint/2010/main" Requires="p14">
-      <p:transition p14:dur="250">
-        <p:fade/>
-      </p:transition>
-    </mc:Choice>
-    <mc:Fallback>
+    <mc:Fallback xmlns="">
       <p:transition>
         <p:fade/>
       </p:transition>
@@ -23026,8 +23505,8 @@
         </p:nvSpPr>
         <p:spPr>
           <a:xfrm>
-            <a:off x="1484311" y="685800"/>
-            <a:ext cx="10018713" cy="957263"/>
+            <a:off x="1484311" y="685801"/>
+            <a:ext cx="10018713" cy="1028700"/>
           </a:xfrm>
         </p:spPr>
         <p:txBody>
@@ -23035,17 +23514,10 @@
           <a:lstStyle/>
           <a:p>
             <a:r>
-              <a:rPr lang="en-US" dirty="0"/>
-              <a:t>Limitations of </a:t>
-            </a:r>
-            <a:r>
               <a:rPr lang="en-US" dirty="0" smtClean="0"/>
-              <a:t>FDTD </a:t>
-            </a:r>
-            <a:r>
-              <a:rPr lang="en-US" dirty="0"/>
-              <a:t>Algorithm</a:t>
-            </a:r>
+              <a:t>Results</a:t>
+            </a:r>
+            <a:endParaRPr lang="en-US" dirty="0"/>
           </a:p>
         </p:txBody>
       </p:sp>
@@ -23061,52 +23533,69 @@
         </p:nvSpPr>
         <p:spPr>
           <a:xfrm>
-            <a:off x="1484310" y="1643063"/>
-            <a:ext cx="10018713" cy="4148137"/>
+            <a:off x="1484311" y="2085975"/>
+            <a:ext cx="3344863" cy="3781155"/>
           </a:xfrm>
         </p:spPr>
         <p:txBody>
           <a:bodyPr anchor="t"/>
           <a:lstStyle/>
           <a:p>
-            <a:pPr algn="just"/>
-            <a:r>
-              <a:rPr lang="en-US" dirty="0"/>
-              <a:t>cannot cater for negative values of permittivity or </a:t>
-            </a:r>
             <a:r>
               <a:rPr lang="en-US" dirty="0" smtClean="0"/>
-              <a:t>permeability (unstable results)</a:t>
-            </a:r>
-          </a:p>
-          <a:p>
-            <a:pPr algn="just"/>
-            <a:r>
-              <a:rPr lang="en-US" dirty="0"/>
-              <a:t>This is because of the Courant stability </a:t>
-            </a:r>
+              <a:t>Stable Simulation with correct output</a:t>
+            </a:r>
+          </a:p>
+          <a:p>
             <a:r>
               <a:rPr lang="en-US" dirty="0" smtClean="0"/>
-              <a:t>criterion</a:t>
-            </a:r>
-          </a:p>
-          <a:p>
-            <a:pPr algn="just"/>
+              <a:t>Sources</a:t>
+            </a:r>
+          </a:p>
+          <a:p>
+            <a:pPr lvl="1"/>
+            <a:r>
+              <a:rPr lang="en-US" dirty="0" err="1" smtClean="0"/>
+              <a:t>Guassian</a:t>
+            </a:r>
+            <a:endParaRPr lang="en-US" dirty="0" smtClean="0"/>
+          </a:p>
+          <a:p>
+            <a:pPr lvl="1"/>
             <a:r>
               <a:rPr lang="en-US" dirty="0" smtClean="0"/>
-              <a:t>Solution: </a:t>
-            </a:r>
-            <a:r>
-              <a:rPr lang="en-US" dirty="0" err="1" smtClean="0"/>
-              <a:t>Drudes</a:t>
-            </a:r>
-            <a:r>
-              <a:rPr lang="en-US" dirty="0" smtClean="0"/>
-              <a:t> Model</a:t>
-            </a:r>
+              <a:t>3GHz Sine </a:t>
+            </a:r>
+            <a:endParaRPr lang="en-US" dirty="0"/>
           </a:p>
         </p:txBody>
       </p:sp>
+      <p:pic>
+        <p:nvPicPr>
+          <p:cNvPr id="6" name="Picture 2" descr="C:\Users\Hina\Desktop\New folder\1.PNG"/>
+          <p:cNvPicPr>
+            <a:picLocks noChangeAspect="1" noChangeArrowheads="1"/>
+          </p:cNvPicPr>
+          <p:nvPr/>
+        </p:nvPicPr>
+        <p:blipFill>
+          <a:blip r:embed="rId2"/>
+          <a:srcRect t="16999" b="3160"/>
+          <a:stretch>
+            <a:fillRect/>
+          </a:stretch>
+        </p:blipFill>
+        <p:spPr bwMode="auto">
+          <a:xfrm>
+            <a:off x="4829175" y="2057130"/>
+            <a:ext cx="6673847" cy="3810000"/>
+          </a:xfrm>
+          <a:prstGeom prst="rect">
+            <a:avLst/>
+          </a:prstGeom>
+          <a:noFill/>
+        </p:spPr>
+      </p:pic>
       <p:sp>
         <p:nvSpPr>
           <p:cNvPr id="5" name="Slide Number Placeholder 4"/>
@@ -23133,20 +23622,20 @@
     </p:spTree>
     <p:extLst>
       <p:ext uri="{BB962C8B-B14F-4D97-AF65-F5344CB8AC3E}">
-        <p14:creationId xmlns:p14="http://schemas.microsoft.com/office/powerpoint/2010/main" val="490214747"/>
+        <p14:creationId xmlns:p14="http://schemas.microsoft.com/office/powerpoint/2010/main" val="2763720885"/>
       </p:ext>
     </p:extLst>
   </p:cSld>
   <p:clrMapOvr>
     <a:masterClrMapping/>
   </p:clrMapOvr>
-  <mc:AlternateContent xmlns:mc="http://schemas.openxmlformats.org/markup-compatibility/2006">
-    <mc:Choice xmlns:p14="http://schemas.microsoft.com/office/powerpoint/2010/main" Requires="p14">
+  <mc:AlternateContent xmlns:mc="http://schemas.openxmlformats.org/markup-compatibility/2006" xmlns:p14="http://schemas.microsoft.com/office/powerpoint/2010/main">
+    <mc:Choice Requires="p14">
       <p:transition p14:dur="250">
         <p:fade/>
       </p:transition>
     </mc:Choice>
-    <mc:Fallback>
+    <mc:Fallback xmlns="">
       <p:transition>
         <p:fade/>
       </p:transition>
